--- a/pizarra.pptx
+++ b/pizarra.pptx
@@ -16,6 +16,7 @@
     <p:sldId id="264" r:id="rId10"/>
     <p:sldId id="265" r:id="rId11"/>
     <p:sldId id="266" r:id="rId12"/>
+    <p:sldId id="267" r:id="rId13"/>
   </p:sldIdLst>
   <p:sldSz cx="9144000" cy="6858000" type="screen4x3"/>
   <p:notesSz cx="6858000" cy="9144000"/>
@@ -299,7 +300,7 @@
             <a:fld id="{7A847CFC-816F-41D0-AAC0-9BF4FEBC753E}" type="datetimeFigureOut">
               <a:rPr lang="es-ES" smtClean="0"/>
               <a:pPr/>
-              <a:t>07/05/2025</a:t>
+              <a:t>08/05/2025</a:t>
             </a:fld>
             <a:endParaRPr lang="es-ES"/>
           </a:p>
@@ -466,7 +467,7 @@
             <a:fld id="{7A847CFC-816F-41D0-AAC0-9BF4FEBC753E}" type="datetimeFigureOut">
               <a:rPr lang="es-ES" smtClean="0"/>
               <a:pPr/>
-              <a:t>07/05/2025</a:t>
+              <a:t>08/05/2025</a:t>
             </a:fld>
             <a:endParaRPr lang="es-ES"/>
           </a:p>
@@ -643,7 +644,7 @@
             <a:fld id="{7A847CFC-816F-41D0-AAC0-9BF4FEBC753E}" type="datetimeFigureOut">
               <a:rPr lang="es-ES" smtClean="0"/>
               <a:pPr/>
-              <a:t>07/05/2025</a:t>
+              <a:t>08/05/2025</a:t>
             </a:fld>
             <a:endParaRPr lang="es-ES"/>
           </a:p>
@@ -810,7 +811,7 @@
             <a:fld id="{7A847CFC-816F-41D0-AAC0-9BF4FEBC753E}" type="datetimeFigureOut">
               <a:rPr lang="es-ES" smtClean="0"/>
               <a:pPr/>
-              <a:t>07/05/2025</a:t>
+              <a:t>08/05/2025</a:t>
             </a:fld>
             <a:endParaRPr lang="es-ES"/>
           </a:p>
@@ -1053,7 +1054,7 @@
             <a:fld id="{7A847CFC-816F-41D0-AAC0-9BF4FEBC753E}" type="datetimeFigureOut">
               <a:rPr lang="es-ES" smtClean="0"/>
               <a:pPr/>
-              <a:t>07/05/2025</a:t>
+              <a:t>08/05/2025</a:t>
             </a:fld>
             <a:endParaRPr lang="es-ES"/>
           </a:p>
@@ -1338,7 +1339,7 @@
             <a:fld id="{7A847CFC-816F-41D0-AAC0-9BF4FEBC753E}" type="datetimeFigureOut">
               <a:rPr lang="es-ES" smtClean="0"/>
               <a:pPr/>
-              <a:t>07/05/2025</a:t>
+              <a:t>08/05/2025</a:t>
             </a:fld>
             <a:endParaRPr lang="es-ES"/>
           </a:p>
@@ -1757,7 +1758,7 @@
             <a:fld id="{7A847CFC-816F-41D0-AAC0-9BF4FEBC753E}" type="datetimeFigureOut">
               <a:rPr lang="es-ES" smtClean="0"/>
               <a:pPr/>
-              <a:t>07/05/2025</a:t>
+              <a:t>08/05/2025</a:t>
             </a:fld>
             <a:endParaRPr lang="es-ES"/>
           </a:p>
@@ -1872,7 +1873,7 @@
             <a:fld id="{7A847CFC-816F-41D0-AAC0-9BF4FEBC753E}" type="datetimeFigureOut">
               <a:rPr lang="es-ES" smtClean="0"/>
               <a:pPr/>
-              <a:t>07/05/2025</a:t>
+              <a:t>08/05/2025</a:t>
             </a:fld>
             <a:endParaRPr lang="es-ES"/>
           </a:p>
@@ -1964,7 +1965,7 @@
             <a:fld id="{7A847CFC-816F-41D0-AAC0-9BF4FEBC753E}" type="datetimeFigureOut">
               <a:rPr lang="es-ES" smtClean="0"/>
               <a:pPr/>
-              <a:t>07/05/2025</a:t>
+              <a:t>08/05/2025</a:t>
             </a:fld>
             <a:endParaRPr lang="es-ES"/>
           </a:p>
@@ -2238,7 +2239,7 @@
             <a:fld id="{7A847CFC-816F-41D0-AAC0-9BF4FEBC753E}" type="datetimeFigureOut">
               <a:rPr lang="es-ES" smtClean="0"/>
               <a:pPr/>
-              <a:t>07/05/2025</a:t>
+              <a:t>08/05/2025</a:t>
             </a:fld>
             <a:endParaRPr lang="es-ES"/>
           </a:p>
@@ -2488,7 +2489,7 @@
             <a:fld id="{7A847CFC-816F-41D0-AAC0-9BF4FEBC753E}" type="datetimeFigureOut">
               <a:rPr lang="es-ES" smtClean="0"/>
               <a:pPr/>
-              <a:t>07/05/2025</a:t>
+              <a:t>08/05/2025</a:t>
             </a:fld>
             <a:endParaRPr lang="es-ES"/>
           </a:p>
@@ -2698,7 +2699,7 @@
             <a:fld id="{7A847CFC-816F-41D0-AAC0-9BF4FEBC753E}" type="datetimeFigureOut">
               <a:rPr lang="es-ES" smtClean="0"/>
               <a:pPr/>
-              <a:t>07/05/2025</a:t>
+              <a:t>08/05/2025</a:t>
             </a:fld>
             <a:endParaRPr lang="es-ES"/>
           </a:p>
@@ -4312,6 +4313,90 @@
             <a:r>
               <a:rPr lang="es-ES" dirty="0" smtClean="0"/>
               <a:t>Borrar</a:t>
+            </a:r>
+            <a:endParaRPr lang="es-ES" dirty="0"/>
+          </a:p>
+        </p:txBody>
+      </p:sp>
+    </p:spTree>
+  </p:cSld>
+  <p:clrMapOvr>
+    <a:masterClrMapping/>
+  </p:clrMapOvr>
+</p:sld>
+</file>
+
+<file path=ppt/slides/slide12.xml><?xml version="1.0" encoding="utf-8"?>
+<p:sld xmlns:a="http://schemas.openxmlformats.org/drawingml/2006/main" xmlns:r="http://schemas.openxmlformats.org/officeDocument/2006/relationships" xmlns:p="http://schemas.openxmlformats.org/presentationml/2006/main">
+  <p:cSld>
+    <p:spTree>
+      <p:nvGrpSpPr>
+        <p:cNvPr id="1" name=""/>
+        <p:cNvGrpSpPr/>
+        <p:nvPr/>
+      </p:nvGrpSpPr>
+      <p:grpSpPr>
+        <a:xfrm>
+          <a:off x="0" y="0"/>
+          <a:ext cx="0" cy="0"/>
+          <a:chOff x="0" y="0"/>
+          <a:chExt cx="0" cy="0"/>
+        </a:xfrm>
+      </p:grpSpPr>
+      <p:sp>
+        <p:nvSpPr>
+          <p:cNvPr id="2" name="1 CuadroTexto"/>
+          <p:cNvSpPr txBox="1"/>
+          <p:nvPr/>
+        </p:nvSpPr>
+        <p:spPr>
+          <a:xfrm>
+            <a:off x="827584" y="476672"/>
+            <a:ext cx="5904656" cy="1477328"/>
+          </a:xfrm>
+          <a:prstGeom prst="rect">
+            <a:avLst/>
+          </a:prstGeom>
+          <a:noFill/>
+        </p:spPr>
+        <p:txBody>
+          <a:bodyPr wrap="square" rtlCol="0">
+            <a:spAutoFit/>
+          </a:bodyPr>
+          <a:lstStyle/>
+          <a:p>
+            <a:r>
+              <a:rPr lang="es-ES" dirty="0" smtClean="0"/>
+              <a:t>Ejercicios SQL:</a:t>
+            </a:r>
+          </a:p>
+          <a:p>
+            <a:endParaRPr lang="es-ES" dirty="0" smtClean="0"/>
+          </a:p>
+          <a:p>
+            <a:r>
+              <a:rPr lang="es-ES" dirty="0" smtClean="0"/>
+              <a:t>1- Lista de movimientos de la cuenta 1000</a:t>
+            </a:r>
+          </a:p>
+          <a:p>
+            <a:r>
+              <a:rPr lang="es-ES" dirty="0" smtClean="0"/>
+              <a:t>2- Subir 100 euros a todos los movimientos de tipo ingreso</a:t>
+            </a:r>
+          </a:p>
+          <a:p>
+            <a:r>
+              <a:rPr lang="es-ES" smtClean="0"/>
+              <a:t>3- Lista </a:t>
+            </a:r>
+            <a:r>
+              <a:rPr lang="es-ES" dirty="0" smtClean="0"/>
+              <a:t>de movimientos de todas las cuentas </a:t>
+            </a:r>
+            <a:r>
+              <a:rPr lang="es-ES" smtClean="0"/>
+              <a:t>de ahorro</a:t>
             </a:r>
             <a:endParaRPr lang="es-ES" dirty="0"/>
           </a:p>

--- a/pizarra.pptx
+++ b/pizarra.pptx
@@ -17,6 +17,8 @@
     <p:sldId id="265" r:id="rId11"/>
     <p:sldId id="266" r:id="rId12"/>
     <p:sldId id="267" r:id="rId13"/>
+    <p:sldId id="268" r:id="rId14"/>
+    <p:sldId id="269" r:id="rId15"/>
   </p:sldIdLst>
   <p:sldSz cx="9144000" cy="6858000" type="screen4x3"/>
   <p:notesSz cx="6858000" cy="9144000"/>
@@ -300,7 +302,7 @@
             <a:fld id="{7A847CFC-816F-41D0-AAC0-9BF4FEBC753E}" type="datetimeFigureOut">
               <a:rPr lang="es-ES" smtClean="0"/>
               <a:pPr/>
-              <a:t>08/05/2025</a:t>
+              <a:t>12/05/2025</a:t>
             </a:fld>
             <a:endParaRPr lang="es-ES"/>
           </a:p>
@@ -467,7 +469,7 @@
             <a:fld id="{7A847CFC-816F-41D0-AAC0-9BF4FEBC753E}" type="datetimeFigureOut">
               <a:rPr lang="es-ES" smtClean="0"/>
               <a:pPr/>
-              <a:t>08/05/2025</a:t>
+              <a:t>12/05/2025</a:t>
             </a:fld>
             <a:endParaRPr lang="es-ES"/>
           </a:p>
@@ -644,7 +646,7 @@
             <a:fld id="{7A847CFC-816F-41D0-AAC0-9BF4FEBC753E}" type="datetimeFigureOut">
               <a:rPr lang="es-ES" smtClean="0"/>
               <a:pPr/>
-              <a:t>08/05/2025</a:t>
+              <a:t>12/05/2025</a:t>
             </a:fld>
             <a:endParaRPr lang="es-ES"/>
           </a:p>
@@ -811,7 +813,7 @@
             <a:fld id="{7A847CFC-816F-41D0-AAC0-9BF4FEBC753E}" type="datetimeFigureOut">
               <a:rPr lang="es-ES" smtClean="0"/>
               <a:pPr/>
-              <a:t>08/05/2025</a:t>
+              <a:t>12/05/2025</a:t>
             </a:fld>
             <a:endParaRPr lang="es-ES"/>
           </a:p>
@@ -1054,7 +1056,7 @@
             <a:fld id="{7A847CFC-816F-41D0-AAC0-9BF4FEBC753E}" type="datetimeFigureOut">
               <a:rPr lang="es-ES" smtClean="0"/>
               <a:pPr/>
-              <a:t>08/05/2025</a:t>
+              <a:t>12/05/2025</a:t>
             </a:fld>
             <a:endParaRPr lang="es-ES"/>
           </a:p>
@@ -1339,7 +1341,7 @@
             <a:fld id="{7A847CFC-816F-41D0-AAC0-9BF4FEBC753E}" type="datetimeFigureOut">
               <a:rPr lang="es-ES" smtClean="0"/>
               <a:pPr/>
-              <a:t>08/05/2025</a:t>
+              <a:t>12/05/2025</a:t>
             </a:fld>
             <a:endParaRPr lang="es-ES"/>
           </a:p>
@@ -1758,7 +1760,7 @@
             <a:fld id="{7A847CFC-816F-41D0-AAC0-9BF4FEBC753E}" type="datetimeFigureOut">
               <a:rPr lang="es-ES" smtClean="0"/>
               <a:pPr/>
-              <a:t>08/05/2025</a:t>
+              <a:t>12/05/2025</a:t>
             </a:fld>
             <a:endParaRPr lang="es-ES"/>
           </a:p>
@@ -1873,7 +1875,7 @@
             <a:fld id="{7A847CFC-816F-41D0-AAC0-9BF4FEBC753E}" type="datetimeFigureOut">
               <a:rPr lang="es-ES" smtClean="0"/>
               <a:pPr/>
-              <a:t>08/05/2025</a:t>
+              <a:t>12/05/2025</a:t>
             </a:fld>
             <a:endParaRPr lang="es-ES"/>
           </a:p>
@@ -1965,7 +1967,7 @@
             <a:fld id="{7A847CFC-816F-41D0-AAC0-9BF4FEBC753E}" type="datetimeFigureOut">
               <a:rPr lang="es-ES" smtClean="0"/>
               <a:pPr/>
-              <a:t>08/05/2025</a:t>
+              <a:t>12/05/2025</a:t>
             </a:fld>
             <a:endParaRPr lang="es-ES"/>
           </a:p>
@@ -2239,7 +2241,7 @@
             <a:fld id="{7A847CFC-816F-41D0-AAC0-9BF4FEBC753E}" type="datetimeFigureOut">
               <a:rPr lang="es-ES" smtClean="0"/>
               <a:pPr/>
-              <a:t>08/05/2025</a:t>
+              <a:t>12/05/2025</a:t>
             </a:fld>
             <a:endParaRPr lang="es-ES"/>
           </a:p>
@@ -2489,7 +2491,7 @@
             <a:fld id="{7A847CFC-816F-41D0-AAC0-9BF4FEBC753E}" type="datetimeFigureOut">
               <a:rPr lang="es-ES" smtClean="0"/>
               <a:pPr/>
-              <a:t>08/05/2025</a:t>
+              <a:t>12/05/2025</a:t>
             </a:fld>
             <a:endParaRPr lang="es-ES"/>
           </a:p>
@@ -2699,7 +2701,7 @@
             <a:fld id="{7A847CFC-816F-41D0-AAC0-9BF4FEBC753E}" type="datetimeFigureOut">
               <a:rPr lang="es-ES" smtClean="0"/>
               <a:pPr/>
-              <a:t>08/05/2025</a:t>
+              <a:t>12/05/2025</a:t>
             </a:fld>
             <a:endParaRPr lang="es-ES"/>
           </a:p>
@@ -4399,6 +4401,1130 @@
               <a:t>de ahorro</a:t>
             </a:r>
             <a:endParaRPr lang="es-ES" dirty="0"/>
+          </a:p>
+        </p:txBody>
+      </p:sp>
+    </p:spTree>
+  </p:cSld>
+  <p:clrMapOvr>
+    <a:masterClrMapping/>
+  </p:clrMapOvr>
+</p:sld>
+</file>
+
+<file path=ppt/slides/slide13.xml><?xml version="1.0" encoding="utf-8"?>
+<p:sld xmlns:a="http://schemas.openxmlformats.org/drawingml/2006/main" xmlns:r="http://schemas.openxmlformats.org/officeDocument/2006/relationships" xmlns:p="http://schemas.openxmlformats.org/presentationml/2006/main">
+  <p:cSld>
+    <p:spTree>
+      <p:nvGrpSpPr>
+        <p:cNvPr id="1" name=""/>
+        <p:cNvGrpSpPr/>
+        <p:nvPr/>
+      </p:nvGrpSpPr>
+      <p:grpSpPr>
+        <a:xfrm>
+          <a:off x="0" y="0"/>
+          <a:ext cx="0" cy="0"/>
+          <a:chOff x="0" y="0"/>
+          <a:chExt cx="0" cy="0"/>
+        </a:xfrm>
+      </p:grpSpPr>
+      <p:pic>
+        <p:nvPicPr>
+          <p:cNvPr id="1026" name="Picture 2"/>
+          <p:cNvPicPr>
+            <a:picLocks noChangeAspect="1" noChangeArrowheads="1"/>
+          </p:cNvPicPr>
+          <p:nvPr/>
+        </p:nvPicPr>
+        <p:blipFill>
+          <a:blip r:embed="rId2" cstate="print"/>
+          <a:srcRect/>
+          <a:stretch>
+            <a:fillRect/>
+          </a:stretch>
+        </p:blipFill>
+        <p:spPr bwMode="auto">
+          <a:xfrm>
+            <a:off x="1166813" y="1609725"/>
+            <a:ext cx="6810375" cy="3638550"/>
+          </a:xfrm>
+          <a:prstGeom prst="rect">
+            <a:avLst/>
+          </a:prstGeom>
+          <a:noFill/>
+          <a:ln w="9525">
+            <a:noFill/>
+            <a:miter lim="800000"/>
+            <a:headEnd/>
+            <a:tailEnd/>
+          </a:ln>
+        </p:spPr>
+      </p:pic>
+      <p:cxnSp>
+        <p:nvCxnSpPr>
+          <p:cNvPr id="4" name="3 Conector recto de flecha"/>
+          <p:cNvCxnSpPr/>
+          <p:nvPr/>
+        </p:nvCxnSpPr>
+        <p:spPr>
+          <a:xfrm>
+            <a:off x="2987824" y="2348880"/>
+            <a:ext cx="3240360" cy="0"/>
+          </a:xfrm>
+          <a:prstGeom prst="straightConnector1">
+            <a:avLst/>
+          </a:prstGeom>
+          <a:ln>
+            <a:tailEnd type="arrow"/>
+          </a:ln>
+        </p:spPr>
+        <p:style>
+          <a:lnRef idx="1">
+            <a:schemeClr val="accent1"/>
+          </a:lnRef>
+          <a:fillRef idx="0">
+            <a:schemeClr val="accent1"/>
+          </a:fillRef>
+          <a:effectRef idx="0">
+            <a:schemeClr val="accent1"/>
+          </a:effectRef>
+          <a:fontRef idx="minor">
+            <a:schemeClr val="tx1"/>
+          </a:fontRef>
+        </p:style>
+      </p:cxnSp>
+      <p:cxnSp>
+        <p:nvCxnSpPr>
+          <p:cNvPr id="6" name="5 Conector recto"/>
+          <p:cNvCxnSpPr/>
+          <p:nvPr/>
+        </p:nvCxnSpPr>
+        <p:spPr>
+          <a:xfrm>
+            <a:off x="5436096" y="4005064"/>
+            <a:ext cx="504056" cy="0"/>
+          </a:xfrm>
+          <a:prstGeom prst="line">
+            <a:avLst/>
+          </a:prstGeom>
+        </p:spPr>
+        <p:style>
+          <a:lnRef idx="1">
+            <a:schemeClr val="accent1"/>
+          </a:lnRef>
+          <a:fillRef idx="0">
+            <a:schemeClr val="accent1"/>
+          </a:fillRef>
+          <a:effectRef idx="0">
+            <a:schemeClr val="accent1"/>
+          </a:effectRef>
+          <a:fontRef idx="minor">
+            <a:schemeClr val="tx1"/>
+          </a:fontRef>
+        </p:style>
+      </p:cxnSp>
+      <p:cxnSp>
+        <p:nvCxnSpPr>
+          <p:cNvPr id="8" name="7 Conector recto"/>
+          <p:cNvCxnSpPr/>
+          <p:nvPr/>
+        </p:nvCxnSpPr>
+        <p:spPr>
+          <a:xfrm flipV="1">
+            <a:off x="5940152" y="2564904"/>
+            <a:ext cx="0" cy="1440160"/>
+          </a:xfrm>
+          <a:prstGeom prst="line">
+            <a:avLst/>
+          </a:prstGeom>
+        </p:spPr>
+        <p:style>
+          <a:lnRef idx="1">
+            <a:schemeClr val="accent1"/>
+          </a:lnRef>
+          <a:fillRef idx="0">
+            <a:schemeClr val="accent1"/>
+          </a:fillRef>
+          <a:effectRef idx="0">
+            <a:schemeClr val="accent1"/>
+          </a:effectRef>
+          <a:fontRef idx="minor">
+            <a:schemeClr val="tx1"/>
+          </a:fontRef>
+        </p:style>
+      </p:cxnSp>
+      <p:cxnSp>
+        <p:nvCxnSpPr>
+          <p:cNvPr id="10" name="9 Conector recto de flecha"/>
+          <p:cNvCxnSpPr/>
+          <p:nvPr/>
+        </p:nvCxnSpPr>
+        <p:spPr>
+          <a:xfrm>
+            <a:off x="5940152" y="2564904"/>
+            <a:ext cx="288032" cy="0"/>
+          </a:xfrm>
+          <a:prstGeom prst="straightConnector1">
+            <a:avLst/>
+          </a:prstGeom>
+          <a:ln>
+            <a:tailEnd type="arrow"/>
+          </a:ln>
+        </p:spPr>
+        <p:style>
+          <a:lnRef idx="1">
+            <a:schemeClr val="accent1"/>
+          </a:lnRef>
+          <a:fillRef idx="0">
+            <a:schemeClr val="accent1"/>
+          </a:fillRef>
+          <a:effectRef idx="0">
+            <a:schemeClr val="accent1"/>
+          </a:effectRef>
+          <a:fontRef idx="minor">
+            <a:schemeClr val="tx1"/>
+          </a:fontRef>
+        </p:style>
+      </p:cxnSp>
+      <p:sp>
+        <p:nvSpPr>
+          <p:cNvPr id="11" name="10 CuadroTexto"/>
+          <p:cNvSpPr txBox="1"/>
+          <p:nvPr/>
+        </p:nvSpPr>
+        <p:spPr>
+          <a:xfrm>
+            <a:off x="3059832" y="2060848"/>
+            <a:ext cx="576064" cy="369332"/>
+          </a:xfrm>
+          <a:prstGeom prst="rect">
+            <a:avLst/>
+          </a:prstGeom>
+          <a:noFill/>
+        </p:spPr>
+        <p:txBody>
+          <a:bodyPr wrap="square" rtlCol="0">
+            <a:spAutoFit/>
+          </a:bodyPr>
+          <a:lstStyle/>
+          <a:p>
+            <a:r>
+              <a:rPr lang="es-ES" dirty="0" smtClean="0"/>
+              <a:t>1</a:t>
+            </a:r>
+            <a:endParaRPr lang="es-ES" dirty="0"/>
+          </a:p>
+        </p:txBody>
+      </p:sp>
+      <p:sp>
+        <p:nvSpPr>
+          <p:cNvPr id="12" name="11 CuadroTexto"/>
+          <p:cNvSpPr txBox="1"/>
+          <p:nvPr/>
+        </p:nvSpPr>
+        <p:spPr>
+          <a:xfrm>
+            <a:off x="5436096" y="4005064"/>
+            <a:ext cx="576064" cy="369332"/>
+          </a:xfrm>
+          <a:prstGeom prst="rect">
+            <a:avLst/>
+          </a:prstGeom>
+          <a:noFill/>
+        </p:spPr>
+        <p:txBody>
+          <a:bodyPr wrap="square" rtlCol="0">
+            <a:spAutoFit/>
+          </a:bodyPr>
+          <a:lstStyle/>
+          <a:p>
+            <a:r>
+              <a:rPr lang="es-ES" dirty="0" smtClean="0"/>
+              <a:t>1</a:t>
+            </a:r>
+            <a:endParaRPr lang="es-ES" dirty="0"/>
+          </a:p>
+        </p:txBody>
+      </p:sp>
+      <p:sp>
+        <p:nvSpPr>
+          <p:cNvPr id="13" name="12 CuadroTexto"/>
+          <p:cNvSpPr txBox="1"/>
+          <p:nvPr/>
+        </p:nvSpPr>
+        <p:spPr>
+          <a:xfrm>
+            <a:off x="5580112" y="1988840"/>
+            <a:ext cx="576064" cy="369332"/>
+          </a:xfrm>
+          <a:prstGeom prst="rect">
+            <a:avLst/>
+          </a:prstGeom>
+          <a:noFill/>
+        </p:spPr>
+        <p:txBody>
+          <a:bodyPr wrap="square" rtlCol="0">
+            <a:spAutoFit/>
+          </a:bodyPr>
+          <a:lstStyle/>
+          <a:p>
+            <a:r>
+              <a:rPr lang="es-ES" dirty="0" smtClean="0"/>
+              <a:t>n</a:t>
+            </a:r>
+            <a:endParaRPr lang="es-ES" dirty="0"/>
+          </a:p>
+        </p:txBody>
+      </p:sp>
+      <p:sp>
+        <p:nvSpPr>
+          <p:cNvPr id="14" name="13 CuadroTexto"/>
+          <p:cNvSpPr txBox="1"/>
+          <p:nvPr/>
+        </p:nvSpPr>
+        <p:spPr>
+          <a:xfrm>
+            <a:off x="5652120" y="2420888"/>
+            <a:ext cx="576064" cy="369332"/>
+          </a:xfrm>
+          <a:prstGeom prst="rect">
+            <a:avLst/>
+          </a:prstGeom>
+          <a:noFill/>
+        </p:spPr>
+        <p:txBody>
+          <a:bodyPr wrap="square" rtlCol="0">
+            <a:spAutoFit/>
+          </a:bodyPr>
+          <a:lstStyle/>
+          <a:p>
+            <a:r>
+              <a:rPr lang="es-ES" dirty="0" smtClean="0"/>
+              <a:t>n</a:t>
+            </a:r>
+            <a:endParaRPr lang="es-ES" dirty="0"/>
+          </a:p>
+        </p:txBody>
+      </p:sp>
+    </p:spTree>
+  </p:cSld>
+  <p:clrMapOvr>
+    <a:masterClrMapping/>
+  </p:clrMapOvr>
+</p:sld>
+</file>
+
+<file path=ppt/slides/slide14.xml><?xml version="1.0" encoding="utf-8"?>
+<p:sld xmlns:a="http://schemas.openxmlformats.org/drawingml/2006/main" xmlns:r="http://schemas.openxmlformats.org/officeDocument/2006/relationships" xmlns:p="http://schemas.openxmlformats.org/presentationml/2006/main">
+  <p:cSld>
+    <p:spTree>
+      <p:nvGrpSpPr>
+        <p:cNvPr id="1" name=""/>
+        <p:cNvGrpSpPr/>
+        <p:nvPr/>
+      </p:nvGrpSpPr>
+      <p:grpSpPr>
+        <a:xfrm>
+          <a:off x="0" y="0"/>
+          <a:ext cx="0" cy="0"/>
+          <a:chOff x="0" y="0"/>
+          <a:chExt cx="0" cy="0"/>
+        </a:xfrm>
+      </p:grpSpPr>
+      <p:sp>
+        <p:nvSpPr>
+          <p:cNvPr id="2" name="1 CuadroTexto"/>
+          <p:cNvSpPr txBox="1"/>
+          <p:nvPr/>
+        </p:nvSpPr>
+        <p:spPr>
+          <a:xfrm>
+            <a:off x="1691680" y="332656"/>
+            <a:ext cx="3240360" cy="584775"/>
+          </a:xfrm>
+          <a:prstGeom prst="rect">
+            <a:avLst/>
+          </a:prstGeom>
+          <a:noFill/>
+        </p:spPr>
+        <p:txBody>
+          <a:bodyPr wrap="square" rtlCol="0">
+            <a:spAutoFit/>
+          </a:bodyPr>
+          <a:lstStyle/>
+          <a:p>
+            <a:r>
+              <a:rPr lang="es-ES" sz="3200" dirty="0" smtClean="0"/>
+              <a:t>Servicios REST</a:t>
+            </a:r>
+            <a:endParaRPr lang="es-ES" sz="3200" dirty="0"/>
+          </a:p>
+        </p:txBody>
+      </p:sp>
+      <p:sp>
+        <p:nvSpPr>
+          <p:cNvPr id="3" name="2 Elipse"/>
+          <p:cNvSpPr/>
+          <p:nvPr/>
+        </p:nvSpPr>
+        <p:spPr>
+          <a:xfrm>
+            <a:off x="5652120" y="2060848"/>
+            <a:ext cx="2016224" cy="1440160"/>
+          </a:xfrm>
+          <a:prstGeom prst="ellipse">
+            <a:avLst/>
+          </a:prstGeom>
+        </p:spPr>
+        <p:style>
+          <a:lnRef idx="2">
+            <a:schemeClr val="accent1">
+              <a:shade val="50000"/>
+            </a:schemeClr>
+          </a:lnRef>
+          <a:fillRef idx="1">
+            <a:schemeClr val="accent1"/>
+          </a:fillRef>
+          <a:effectRef idx="0">
+            <a:schemeClr val="accent1"/>
+          </a:effectRef>
+          <a:fontRef idx="minor">
+            <a:schemeClr val="lt1"/>
+          </a:fontRef>
+        </p:style>
+        <p:txBody>
+          <a:bodyPr rtlCol="0" anchor="ctr"/>
+          <a:lstStyle/>
+          <a:p>
+            <a:pPr algn="ctr"/>
+            <a:endParaRPr lang="es-ES"/>
+          </a:p>
+        </p:txBody>
+      </p:sp>
+      <p:sp>
+        <p:nvSpPr>
+          <p:cNvPr id="4" name="3 CuadroTexto"/>
+          <p:cNvSpPr txBox="1"/>
+          <p:nvPr/>
+        </p:nvSpPr>
+        <p:spPr>
+          <a:xfrm>
+            <a:off x="6084168" y="2348880"/>
+            <a:ext cx="1224136" cy="646331"/>
+          </a:xfrm>
+          <a:prstGeom prst="rect">
+            <a:avLst/>
+          </a:prstGeom>
+          <a:noFill/>
+        </p:spPr>
+        <p:txBody>
+          <a:bodyPr wrap="square" rtlCol="0">
+            <a:spAutoFit/>
+          </a:bodyPr>
+          <a:lstStyle/>
+          <a:p>
+            <a:r>
+              <a:rPr lang="es-ES" dirty="0" smtClean="0"/>
+              <a:t>Servicio REST</a:t>
+            </a:r>
+            <a:endParaRPr lang="es-ES" dirty="0"/>
+          </a:p>
+        </p:txBody>
+      </p:sp>
+      <p:cxnSp>
+        <p:nvCxnSpPr>
+          <p:cNvPr id="6" name="5 Conector recto de flecha"/>
+          <p:cNvCxnSpPr/>
+          <p:nvPr/>
+        </p:nvCxnSpPr>
+        <p:spPr>
+          <a:xfrm>
+            <a:off x="5364088" y="2348880"/>
+            <a:ext cx="432048" cy="0"/>
+          </a:xfrm>
+          <a:prstGeom prst="straightConnector1">
+            <a:avLst/>
+          </a:prstGeom>
+          <a:ln>
+            <a:tailEnd type="arrow"/>
+          </a:ln>
+        </p:spPr>
+        <p:style>
+          <a:lnRef idx="1">
+            <a:schemeClr val="accent1"/>
+          </a:lnRef>
+          <a:fillRef idx="0">
+            <a:schemeClr val="accent1"/>
+          </a:fillRef>
+          <a:effectRef idx="0">
+            <a:schemeClr val="accent1"/>
+          </a:effectRef>
+          <a:fontRef idx="minor">
+            <a:schemeClr val="tx1"/>
+          </a:fontRef>
+        </p:style>
+      </p:cxnSp>
+      <p:cxnSp>
+        <p:nvCxnSpPr>
+          <p:cNvPr id="8" name="7 Conector recto de flecha"/>
+          <p:cNvCxnSpPr>
+            <a:endCxn id="3" idx="2"/>
+          </p:cNvCxnSpPr>
+          <p:nvPr/>
+        </p:nvCxnSpPr>
+        <p:spPr>
+          <a:xfrm>
+            <a:off x="5292080" y="2780928"/>
+            <a:ext cx="360040" cy="0"/>
+          </a:xfrm>
+          <a:prstGeom prst="straightConnector1">
+            <a:avLst/>
+          </a:prstGeom>
+          <a:ln>
+            <a:tailEnd type="arrow"/>
+          </a:ln>
+        </p:spPr>
+        <p:style>
+          <a:lnRef idx="1">
+            <a:schemeClr val="accent1"/>
+          </a:lnRef>
+          <a:fillRef idx="0">
+            <a:schemeClr val="accent1"/>
+          </a:fillRef>
+          <a:effectRef idx="0">
+            <a:schemeClr val="accent1"/>
+          </a:effectRef>
+          <a:fontRef idx="minor">
+            <a:schemeClr val="tx1"/>
+          </a:fontRef>
+        </p:style>
+      </p:cxnSp>
+      <p:cxnSp>
+        <p:nvCxnSpPr>
+          <p:cNvPr id="10" name="9 Conector recto de flecha"/>
+          <p:cNvCxnSpPr/>
+          <p:nvPr/>
+        </p:nvCxnSpPr>
+        <p:spPr>
+          <a:xfrm>
+            <a:off x="5436096" y="3212976"/>
+            <a:ext cx="432048" cy="0"/>
+          </a:xfrm>
+          <a:prstGeom prst="straightConnector1">
+            <a:avLst/>
+          </a:prstGeom>
+          <a:ln>
+            <a:tailEnd type="arrow"/>
+          </a:ln>
+        </p:spPr>
+        <p:style>
+          <a:lnRef idx="1">
+            <a:schemeClr val="accent1"/>
+          </a:lnRef>
+          <a:fillRef idx="0">
+            <a:schemeClr val="accent1"/>
+          </a:fillRef>
+          <a:effectRef idx="0">
+            <a:schemeClr val="accent1"/>
+          </a:effectRef>
+          <a:fontRef idx="minor">
+            <a:schemeClr val="tx1"/>
+          </a:fontRef>
+        </p:style>
+      </p:cxnSp>
+      <p:sp>
+        <p:nvSpPr>
+          <p:cNvPr id="11" name="10 Nube"/>
+          <p:cNvSpPr/>
+          <p:nvPr/>
+        </p:nvSpPr>
+        <p:spPr>
+          <a:xfrm>
+            <a:off x="2987824" y="2348880"/>
+            <a:ext cx="1512168" cy="864096"/>
+          </a:xfrm>
+          <a:prstGeom prst="cloud">
+            <a:avLst/>
+          </a:prstGeom>
+          <a:solidFill>
+            <a:schemeClr val="bg1">
+              <a:lumMod val="95000"/>
+            </a:schemeClr>
+          </a:solidFill>
+        </p:spPr>
+        <p:style>
+          <a:lnRef idx="2">
+            <a:schemeClr val="accent1">
+              <a:shade val="50000"/>
+            </a:schemeClr>
+          </a:lnRef>
+          <a:fillRef idx="1">
+            <a:schemeClr val="accent1"/>
+          </a:fillRef>
+          <a:effectRef idx="0">
+            <a:schemeClr val="accent1"/>
+          </a:effectRef>
+          <a:fontRef idx="minor">
+            <a:schemeClr val="lt1"/>
+          </a:fontRef>
+        </p:style>
+        <p:txBody>
+          <a:bodyPr rtlCol="0" anchor="ctr"/>
+          <a:lstStyle/>
+          <a:p>
+            <a:pPr algn="ctr"/>
+            <a:endParaRPr lang="es-ES"/>
+          </a:p>
+        </p:txBody>
+      </p:sp>
+      <p:sp>
+        <p:nvSpPr>
+          <p:cNvPr id="12" name="11 Rectángulo redondeado"/>
+          <p:cNvSpPr/>
+          <p:nvPr/>
+        </p:nvSpPr>
+        <p:spPr>
+          <a:xfrm>
+            <a:off x="467544" y="2420888"/>
+            <a:ext cx="1872208" cy="1008112"/>
+          </a:xfrm>
+          <a:prstGeom prst="roundRect">
+            <a:avLst/>
+          </a:prstGeom>
+        </p:spPr>
+        <p:style>
+          <a:lnRef idx="2">
+            <a:schemeClr val="accent1">
+              <a:shade val="50000"/>
+            </a:schemeClr>
+          </a:lnRef>
+          <a:fillRef idx="1">
+            <a:schemeClr val="accent1"/>
+          </a:fillRef>
+          <a:effectRef idx="0">
+            <a:schemeClr val="accent1"/>
+          </a:effectRef>
+          <a:fontRef idx="minor">
+            <a:schemeClr val="lt1"/>
+          </a:fontRef>
+        </p:style>
+        <p:txBody>
+          <a:bodyPr rtlCol="0" anchor="ctr"/>
+          <a:lstStyle/>
+          <a:p>
+            <a:pPr algn="ctr"/>
+            <a:endParaRPr lang="es-ES"/>
+          </a:p>
+        </p:txBody>
+      </p:sp>
+      <p:sp>
+        <p:nvSpPr>
+          <p:cNvPr id="13" name="12 CuadroTexto"/>
+          <p:cNvSpPr txBox="1"/>
+          <p:nvPr/>
+        </p:nvSpPr>
+        <p:spPr>
+          <a:xfrm>
+            <a:off x="539552" y="2492896"/>
+            <a:ext cx="1728192" cy="923330"/>
+          </a:xfrm>
+          <a:prstGeom prst="rect">
+            <a:avLst/>
+          </a:prstGeom>
+          <a:noFill/>
+        </p:spPr>
+        <p:txBody>
+          <a:bodyPr wrap="square" rtlCol="0">
+            <a:spAutoFit/>
+          </a:bodyPr>
+          <a:lstStyle/>
+          <a:p>
+            <a:r>
+              <a:rPr lang="es-ES" dirty="0" smtClean="0"/>
+              <a:t>Cliente (cualquier programa)</a:t>
+            </a:r>
+            <a:endParaRPr lang="es-ES" dirty="0"/>
+          </a:p>
+        </p:txBody>
+      </p:sp>
+      <p:sp>
+        <p:nvSpPr>
+          <p:cNvPr id="14" name="13 Forma libre"/>
+          <p:cNvSpPr/>
+          <p:nvPr/>
+        </p:nvSpPr>
+        <p:spPr>
+          <a:xfrm>
+            <a:off x="2346385" y="1769853"/>
+            <a:ext cx="3036498" cy="800819"/>
+          </a:xfrm>
+          <a:custGeom>
+            <a:avLst/>
+            <a:gdLst>
+              <a:gd name="connsiteX0" fmla="*/ 0 w 3036498"/>
+              <a:gd name="connsiteY0" fmla="*/ 800819 h 800819"/>
+              <a:gd name="connsiteX1" fmla="*/ 1233577 w 3036498"/>
+              <a:gd name="connsiteY1" fmla="*/ 58947 h 800819"/>
+              <a:gd name="connsiteX2" fmla="*/ 3036498 w 3036498"/>
+              <a:gd name="connsiteY2" fmla="*/ 447136 h 800819"/>
+            </a:gdLst>
+            <a:ahLst/>
+            <a:cxnLst>
+              <a:cxn ang="0">
+                <a:pos x="connsiteX0" y="connsiteY0"/>
+              </a:cxn>
+              <a:cxn ang="0">
+                <a:pos x="connsiteX1" y="connsiteY1"/>
+              </a:cxn>
+              <a:cxn ang="0">
+                <a:pos x="connsiteX2" y="connsiteY2"/>
+              </a:cxn>
+            </a:cxnLst>
+            <a:rect l="l" t="t" r="r" b="b"/>
+            <a:pathLst>
+              <a:path w="3036498" h="800819">
+                <a:moveTo>
+                  <a:pt x="0" y="800819"/>
+                </a:moveTo>
+                <a:cubicBezTo>
+                  <a:pt x="363747" y="459356"/>
+                  <a:pt x="727494" y="117894"/>
+                  <a:pt x="1233577" y="58947"/>
+                </a:cubicBezTo>
+                <a:cubicBezTo>
+                  <a:pt x="1739660" y="0"/>
+                  <a:pt x="2388079" y="223568"/>
+                  <a:pt x="3036498" y="447136"/>
+                </a:cubicBezTo>
+              </a:path>
+            </a:pathLst>
+          </a:custGeom>
+          <a:ln>
+            <a:tailEnd type="triangle"/>
+          </a:ln>
+        </p:spPr>
+        <p:style>
+          <a:lnRef idx="1">
+            <a:schemeClr val="accent1"/>
+          </a:lnRef>
+          <a:fillRef idx="0">
+            <a:schemeClr val="accent1"/>
+          </a:fillRef>
+          <a:effectRef idx="0">
+            <a:schemeClr val="accent1"/>
+          </a:effectRef>
+          <a:fontRef idx="minor">
+            <a:schemeClr val="tx1"/>
+          </a:fontRef>
+        </p:style>
+        <p:txBody>
+          <a:bodyPr rtlCol="0" anchor="ctr"/>
+          <a:lstStyle/>
+          <a:p>
+            <a:pPr algn="ctr"/>
+            <a:endParaRPr lang="es-ES"/>
+          </a:p>
+        </p:txBody>
+      </p:sp>
+      <p:sp>
+        <p:nvSpPr>
+          <p:cNvPr id="18" name="17 Forma libre"/>
+          <p:cNvSpPr/>
+          <p:nvPr/>
+        </p:nvSpPr>
+        <p:spPr>
+          <a:xfrm>
+            <a:off x="2398143" y="3372928"/>
+            <a:ext cx="2907102" cy="644106"/>
+          </a:xfrm>
+          <a:custGeom>
+            <a:avLst/>
+            <a:gdLst>
+              <a:gd name="connsiteX0" fmla="*/ 2907102 w 2907102"/>
+              <a:gd name="connsiteY0" fmla="*/ 0 h 644106"/>
+              <a:gd name="connsiteX1" fmla="*/ 1621766 w 2907102"/>
+              <a:gd name="connsiteY1" fmla="*/ 629729 h 644106"/>
+              <a:gd name="connsiteX2" fmla="*/ 0 w 2907102"/>
+              <a:gd name="connsiteY2" fmla="*/ 86264 h 644106"/>
+            </a:gdLst>
+            <a:ahLst/>
+            <a:cxnLst>
+              <a:cxn ang="0">
+                <a:pos x="connsiteX0" y="connsiteY0"/>
+              </a:cxn>
+              <a:cxn ang="0">
+                <a:pos x="connsiteX1" y="connsiteY1"/>
+              </a:cxn>
+              <a:cxn ang="0">
+                <a:pos x="connsiteX2" y="connsiteY2"/>
+              </a:cxn>
+            </a:cxnLst>
+            <a:rect l="l" t="t" r="r" b="b"/>
+            <a:pathLst>
+              <a:path w="2907102" h="644106">
+                <a:moveTo>
+                  <a:pt x="2907102" y="0"/>
+                </a:moveTo>
+                <a:cubicBezTo>
+                  <a:pt x="2506692" y="307676"/>
+                  <a:pt x="2106283" y="615352"/>
+                  <a:pt x="1621766" y="629729"/>
+                </a:cubicBezTo>
+                <a:cubicBezTo>
+                  <a:pt x="1137249" y="644106"/>
+                  <a:pt x="568624" y="365185"/>
+                  <a:pt x="0" y="86264"/>
+                </a:cubicBezTo>
+              </a:path>
+            </a:pathLst>
+          </a:custGeom>
+          <a:ln>
+            <a:tailEnd type="triangle"/>
+          </a:ln>
+        </p:spPr>
+        <p:style>
+          <a:lnRef idx="1">
+            <a:schemeClr val="accent1"/>
+          </a:lnRef>
+          <a:fillRef idx="0">
+            <a:schemeClr val="accent1"/>
+          </a:fillRef>
+          <a:effectRef idx="0">
+            <a:schemeClr val="accent1"/>
+          </a:effectRef>
+          <a:fontRef idx="minor">
+            <a:schemeClr val="tx1"/>
+          </a:fontRef>
+        </p:style>
+        <p:txBody>
+          <a:bodyPr rtlCol="0" anchor="ctr"/>
+          <a:lstStyle/>
+          <a:p>
+            <a:pPr algn="ctr"/>
+            <a:endParaRPr lang="es-ES"/>
+          </a:p>
+        </p:txBody>
+      </p:sp>
+      <p:sp>
+        <p:nvSpPr>
+          <p:cNvPr id="19" name="18 CuadroTexto"/>
+          <p:cNvSpPr txBox="1"/>
+          <p:nvPr/>
+        </p:nvSpPr>
+        <p:spPr>
+          <a:xfrm>
+            <a:off x="3347864" y="2636912"/>
+            <a:ext cx="936104" cy="369332"/>
+          </a:xfrm>
+          <a:prstGeom prst="rect">
+            <a:avLst/>
+          </a:prstGeom>
+          <a:noFill/>
+        </p:spPr>
+        <p:txBody>
+          <a:bodyPr wrap="square" rtlCol="0">
+            <a:spAutoFit/>
+          </a:bodyPr>
+          <a:lstStyle/>
+          <a:p>
+            <a:r>
+              <a:rPr lang="es-ES" dirty="0" smtClean="0"/>
+              <a:t>HTTP</a:t>
+            </a:r>
+            <a:endParaRPr lang="es-ES" dirty="0"/>
+          </a:p>
+        </p:txBody>
+      </p:sp>
+      <p:sp>
+        <p:nvSpPr>
+          <p:cNvPr id="20" name="19 Rectángulo"/>
+          <p:cNvSpPr/>
+          <p:nvPr/>
+        </p:nvSpPr>
+        <p:spPr>
+          <a:xfrm>
+            <a:off x="1691680" y="1412776"/>
+            <a:ext cx="5112568" cy="288032"/>
+          </a:xfrm>
+          <a:prstGeom prst="rect">
+            <a:avLst/>
+          </a:prstGeom>
+          <a:noFill/>
+        </p:spPr>
+        <p:style>
+          <a:lnRef idx="2">
+            <a:schemeClr val="accent1">
+              <a:shade val="50000"/>
+            </a:schemeClr>
+          </a:lnRef>
+          <a:fillRef idx="1">
+            <a:schemeClr val="accent1"/>
+          </a:fillRef>
+          <a:effectRef idx="0">
+            <a:schemeClr val="accent1"/>
+          </a:effectRef>
+          <a:fontRef idx="minor">
+            <a:schemeClr val="lt1"/>
+          </a:fontRef>
+        </p:style>
+        <p:txBody>
+          <a:bodyPr rtlCol="0" anchor="ctr"/>
+          <a:lstStyle/>
+          <a:p>
+            <a:pPr algn="ctr"/>
+            <a:endParaRPr lang="es-ES"/>
+          </a:p>
+        </p:txBody>
+      </p:sp>
+      <p:cxnSp>
+        <p:nvCxnSpPr>
+          <p:cNvPr id="22" name="21 Conector recto"/>
+          <p:cNvCxnSpPr/>
+          <p:nvPr/>
+        </p:nvCxnSpPr>
+        <p:spPr>
+          <a:xfrm>
+            <a:off x="3563888" y="1412776"/>
+            <a:ext cx="0" cy="288032"/>
+          </a:xfrm>
+          <a:prstGeom prst="line">
+            <a:avLst/>
+          </a:prstGeom>
+        </p:spPr>
+        <p:style>
+          <a:lnRef idx="1">
+            <a:schemeClr val="accent1"/>
+          </a:lnRef>
+          <a:fillRef idx="0">
+            <a:schemeClr val="accent1"/>
+          </a:fillRef>
+          <a:effectRef idx="0">
+            <a:schemeClr val="accent1"/>
+          </a:effectRef>
+          <a:fontRef idx="minor">
+            <a:schemeClr val="tx1"/>
+          </a:fontRef>
+        </p:style>
+      </p:cxnSp>
+      <p:sp>
+        <p:nvSpPr>
+          <p:cNvPr id="23" name="22 CuadroTexto"/>
+          <p:cNvSpPr txBox="1"/>
+          <p:nvPr/>
+        </p:nvSpPr>
+        <p:spPr>
+          <a:xfrm>
+            <a:off x="1763688" y="1124744"/>
+            <a:ext cx="1944216" cy="369332"/>
+          </a:xfrm>
+          <a:prstGeom prst="rect">
+            <a:avLst/>
+          </a:prstGeom>
+          <a:noFill/>
+        </p:spPr>
+        <p:txBody>
+          <a:bodyPr wrap="square" rtlCol="0">
+            <a:spAutoFit/>
+          </a:bodyPr>
+          <a:lstStyle/>
+          <a:p>
+            <a:r>
+              <a:rPr lang="es-ES" dirty="0" smtClean="0"/>
+              <a:t>cabecera</a:t>
+            </a:r>
+            <a:endParaRPr lang="es-ES" dirty="0"/>
+          </a:p>
+        </p:txBody>
+      </p:sp>
+      <p:sp>
+        <p:nvSpPr>
+          <p:cNvPr id="24" name="23 CuadroTexto"/>
+          <p:cNvSpPr txBox="1"/>
+          <p:nvPr/>
+        </p:nvSpPr>
+        <p:spPr>
+          <a:xfrm>
+            <a:off x="4427984" y="1124744"/>
+            <a:ext cx="2088232" cy="369332"/>
+          </a:xfrm>
+          <a:prstGeom prst="rect">
+            <a:avLst/>
+          </a:prstGeom>
+          <a:noFill/>
+        </p:spPr>
+        <p:txBody>
+          <a:bodyPr wrap="square" rtlCol="0">
+            <a:spAutoFit/>
+          </a:bodyPr>
+          <a:lstStyle/>
+          <a:p>
+            <a:r>
+              <a:rPr lang="es-ES" dirty="0" smtClean="0"/>
+              <a:t>cuerpo</a:t>
+            </a:r>
+            <a:endParaRPr lang="es-ES" dirty="0"/>
+          </a:p>
+        </p:txBody>
+      </p:sp>
+      <p:sp>
+        <p:nvSpPr>
+          <p:cNvPr id="25" name="24 Rectángulo"/>
+          <p:cNvSpPr/>
+          <p:nvPr/>
+        </p:nvSpPr>
+        <p:spPr>
+          <a:xfrm>
+            <a:off x="1979712" y="4509120"/>
+            <a:ext cx="5112568" cy="288032"/>
+          </a:xfrm>
+          <a:prstGeom prst="rect">
+            <a:avLst/>
+          </a:prstGeom>
+          <a:noFill/>
+        </p:spPr>
+        <p:style>
+          <a:lnRef idx="2">
+            <a:schemeClr val="accent1">
+              <a:shade val="50000"/>
+            </a:schemeClr>
+          </a:lnRef>
+          <a:fillRef idx="1">
+            <a:schemeClr val="accent1"/>
+          </a:fillRef>
+          <a:effectRef idx="0">
+            <a:schemeClr val="accent1"/>
+          </a:effectRef>
+          <a:fontRef idx="minor">
+            <a:schemeClr val="lt1"/>
+          </a:fontRef>
+        </p:style>
+        <p:txBody>
+          <a:bodyPr rtlCol="0" anchor="ctr"/>
+          <a:lstStyle/>
+          <a:p>
+            <a:pPr algn="ctr"/>
+            <a:endParaRPr lang="es-ES"/>
+          </a:p>
+        </p:txBody>
+      </p:sp>
+      <p:cxnSp>
+        <p:nvCxnSpPr>
+          <p:cNvPr id="26" name="25 Conector recto"/>
+          <p:cNvCxnSpPr/>
+          <p:nvPr/>
+        </p:nvCxnSpPr>
+        <p:spPr>
+          <a:xfrm>
+            <a:off x="3851920" y="4509120"/>
+            <a:ext cx="0" cy="288032"/>
+          </a:xfrm>
+          <a:prstGeom prst="line">
+            <a:avLst/>
+          </a:prstGeom>
+        </p:spPr>
+        <p:style>
+          <a:lnRef idx="1">
+            <a:schemeClr val="accent1"/>
+          </a:lnRef>
+          <a:fillRef idx="0">
+            <a:schemeClr val="accent1"/>
+          </a:fillRef>
+          <a:effectRef idx="0">
+            <a:schemeClr val="accent1"/>
+          </a:effectRef>
+          <a:fontRef idx="minor">
+            <a:schemeClr val="tx1"/>
+          </a:fontRef>
+        </p:style>
+      </p:cxnSp>
+      <p:sp>
+        <p:nvSpPr>
+          <p:cNvPr id="27" name="26 CuadroTexto"/>
+          <p:cNvSpPr txBox="1"/>
+          <p:nvPr/>
+        </p:nvSpPr>
+        <p:spPr>
+          <a:xfrm>
+            <a:off x="2051720" y="4221088"/>
+            <a:ext cx="1944216" cy="369332"/>
+          </a:xfrm>
+          <a:prstGeom prst="rect">
+            <a:avLst/>
+          </a:prstGeom>
+          <a:noFill/>
+        </p:spPr>
+        <p:txBody>
+          <a:bodyPr wrap="square" rtlCol="0">
+            <a:spAutoFit/>
+          </a:bodyPr>
+          <a:lstStyle/>
+          <a:p>
+            <a:r>
+              <a:rPr lang="es-ES" dirty="0" smtClean="0"/>
+              <a:t>cabecera</a:t>
+            </a:r>
+            <a:endParaRPr lang="es-ES" dirty="0"/>
+          </a:p>
+        </p:txBody>
+      </p:sp>
+      <p:sp>
+        <p:nvSpPr>
+          <p:cNvPr id="28" name="27 CuadroTexto"/>
+          <p:cNvSpPr txBox="1"/>
+          <p:nvPr/>
+        </p:nvSpPr>
+        <p:spPr>
+          <a:xfrm>
+            <a:off x="4716016" y="4221088"/>
+            <a:ext cx="2088232" cy="369332"/>
+          </a:xfrm>
+          <a:prstGeom prst="rect">
+            <a:avLst/>
+          </a:prstGeom>
+          <a:noFill/>
+        </p:spPr>
+        <p:txBody>
+          <a:bodyPr wrap="square" rtlCol="0">
+            <a:spAutoFit/>
+          </a:bodyPr>
+          <a:lstStyle/>
+          <a:p>
+            <a:r>
+              <a:rPr lang="es-ES" dirty="0" smtClean="0"/>
+              <a:t>cuerpo</a:t>
+            </a:r>
+            <a:endParaRPr lang="es-ES" dirty="0"/>
+          </a:p>
+        </p:txBody>
+      </p:sp>
+      <p:sp>
+        <p:nvSpPr>
+          <p:cNvPr id="29" name="28 CuadroTexto"/>
+          <p:cNvSpPr txBox="1"/>
+          <p:nvPr/>
+        </p:nvSpPr>
+        <p:spPr>
+          <a:xfrm>
+            <a:off x="1979712" y="1412776"/>
+            <a:ext cx="1080120" cy="369332"/>
+          </a:xfrm>
+          <a:prstGeom prst="rect">
+            <a:avLst/>
+          </a:prstGeom>
+          <a:noFill/>
+        </p:spPr>
+        <p:txBody>
+          <a:bodyPr wrap="square" rtlCol="0">
+            <a:spAutoFit/>
+          </a:bodyPr>
+          <a:lstStyle/>
+          <a:p>
+            <a:r>
+              <a:rPr lang="es-ES" smtClean="0"/>
+              <a:t>URL</a:t>
+            </a:r>
+            <a:endParaRPr lang="es-ES"/>
           </a:p>
         </p:txBody>
       </p:sp>

--- a/pizarra.pptx
+++ b/pizarra.pptx
@@ -19,6 +19,9 @@
     <p:sldId id="267" r:id="rId13"/>
     <p:sldId id="268" r:id="rId14"/>
     <p:sldId id="269" r:id="rId15"/>
+    <p:sldId id="270" r:id="rId16"/>
+    <p:sldId id="271" r:id="rId17"/>
+    <p:sldId id="272" r:id="rId18"/>
   </p:sldIdLst>
   <p:sldSz cx="9144000" cy="6858000" type="screen4x3"/>
   <p:notesSz cx="6858000" cy="9144000"/>
@@ -302,7 +305,7 @@
             <a:fld id="{7A847CFC-816F-41D0-AAC0-9BF4FEBC753E}" type="datetimeFigureOut">
               <a:rPr lang="es-ES" smtClean="0"/>
               <a:pPr/>
-              <a:t>12/05/2025</a:t>
+              <a:t>14/05/2025</a:t>
             </a:fld>
             <a:endParaRPr lang="es-ES"/>
           </a:p>
@@ -469,7 +472,7 @@
             <a:fld id="{7A847CFC-816F-41D0-AAC0-9BF4FEBC753E}" type="datetimeFigureOut">
               <a:rPr lang="es-ES" smtClean="0"/>
               <a:pPr/>
-              <a:t>12/05/2025</a:t>
+              <a:t>14/05/2025</a:t>
             </a:fld>
             <a:endParaRPr lang="es-ES"/>
           </a:p>
@@ -646,7 +649,7 @@
             <a:fld id="{7A847CFC-816F-41D0-AAC0-9BF4FEBC753E}" type="datetimeFigureOut">
               <a:rPr lang="es-ES" smtClean="0"/>
               <a:pPr/>
-              <a:t>12/05/2025</a:t>
+              <a:t>14/05/2025</a:t>
             </a:fld>
             <a:endParaRPr lang="es-ES"/>
           </a:p>
@@ -813,7 +816,7 @@
             <a:fld id="{7A847CFC-816F-41D0-AAC0-9BF4FEBC753E}" type="datetimeFigureOut">
               <a:rPr lang="es-ES" smtClean="0"/>
               <a:pPr/>
-              <a:t>12/05/2025</a:t>
+              <a:t>14/05/2025</a:t>
             </a:fld>
             <a:endParaRPr lang="es-ES"/>
           </a:p>
@@ -1056,7 +1059,7 @@
             <a:fld id="{7A847CFC-816F-41D0-AAC0-9BF4FEBC753E}" type="datetimeFigureOut">
               <a:rPr lang="es-ES" smtClean="0"/>
               <a:pPr/>
-              <a:t>12/05/2025</a:t>
+              <a:t>14/05/2025</a:t>
             </a:fld>
             <a:endParaRPr lang="es-ES"/>
           </a:p>
@@ -1341,7 +1344,7 @@
             <a:fld id="{7A847CFC-816F-41D0-AAC0-9BF4FEBC753E}" type="datetimeFigureOut">
               <a:rPr lang="es-ES" smtClean="0"/>
               <a:pPr/>
-              <a:t>12/05/2025</a:t>
+              <a:t>14/05/2025</a:t>
             </a:fld>
             <a:endParaRPr lang="es-ES"/>
           </a:p>
@@ -1760,7 +1763,7 @@
             <a:fld id="{7A847CFC-816F-41D0-AAC0-9BF4FEBC753E}" type="datetimeFigureOut">
               <a:rPr lang="es-ES" smtClean="0"/>
               <a:pPr/>
-              <a:t>12/05/2025</a:t>
+              <a:t>14/05/2025</a:t>
             </a:fld>
             <a:endParaRPr lang="es-ES"/>
           </a:p>
@@ -1875,7 +1878,7 @@
             <a:fld id="{7A847CFC-816F-41D0-AAC0-9BF4FEBC753E}" type="datetimeFigureOut">
               <a:rPr lang="es-ES" smtClean="0"/>
               <a:pPr/>
-              <a:t>12/05/2025</a:t>
+              <a:t>14/05/2025</a:t>
             </a:fld>
             <a:endParaRPr lang="es-ES"/>
           </a:p>
@@ -1967,7 +1970,7 @@
             <a:fld id="{7A847CFC-816F-41D0-AAC0-9BF4FEBC753E}" type="datetimeFigureOut">
               <a:rPr lang="es-ES" smtClean="0"/>
               <a:pPr/>
-              <a:t>12/05/2025</a:t>
+              <a:t>14/05/2025</a:t>
             </a:fld>
             <a:endParaRPr lang="es-ES"/>
           </a:p>
@@ -2241,7 +2244,7 @@
             <a:fld id="{7A847CFC-816F-41D0-AAC0-9BF4FEBC753E}" type="datetimeFigureOut">
               <a:rPr lang="es-ES" smtClean="0"/>
               <a:pPr/>
-              <a:t>12/05/2025</a:t>
+              <a:t>14/05/2025</a:t>
             </a:fld>
             <a:endParaRPr lang="es-ES"/>
           </a:p>
@@ -2491,7 +2494,7 @@
             <a:fld id="{7A847CFC-816F-41D0-AAC0-9BF4FEBC753E}" type="datetimeFigureOut">
               <a:rPr lang="es-ES" smtClean="0"/>
               <a:pPr/>
-              <a:t>12/05/2025</a:t>
+              <a:t>14/05/2025</a:t>
             </a:fld>
             <a:endParaRPr lang="es-ES"/>
           </a:p>
@@ -2701,7 +2704,7 @@
             <a:fld id="{7A847CFC-816F-41D0-AAC0-9BF4FEBC753E}" type="datetimeFigureOut">
               <a:rPr lang="es-ES" smtClean="0"/>
               <a:pPr/>
-              <a:t>12/05/2025</a:t>
+              <a:t>14/05/2025</a:t>
             </a:fld>
             <a:endParaRPr lang="es-ES"/>
           </a:p>
@@ -5525,6 +5528,1680 @@
               <a:t>URL</a:t>
             </a:r>
             <a:endParaRPr lang="es-ES"/>
+          </a:p>
+        </p:txBody>
+      </p:sp>
+    </p:spTree>
+  </p:cSld>
+  <p:clrMapOvr>
+    <a:masterClrMapping/>
+  </p:clrMapOvr>
+</p:sld>
+</file>
+
+<file path=ppt/slides/slide15.xml><?xml version="1.0" encoding="utf-8"?>
+<p:sld xmlns:a="http://schemas.openxmlformats.org/drawingml/2006/main" xmlns:r="http://schemas.openxmlformats.org/officeDocument/2006/relationships" xmlns:p="http://schemas.openxmlformats.org/presentationml/2006/main">
+  <p:cSld>
+    <p:spTree>
+      <p:nvGrpSpPr>
+        <p:cNvPr id="1" name=""/>
+        <p:cNvGrpSpPr/>
+        <p:nvPr/>
+      </p:nvGrpSpPr>
+      <p:grpSpPr>
+        <a:xfrm>
+          <a:off x="0" y="0"/>
+          <a:ext cx="0" cy="0"/>
+          <a:chOff x="0" y="0"/>
+          <a:chExt cx="0" cy="0"/>
+        </a:xfrm>
+      </p:grpSpPr>
+      <p:sp>
+        <p:nvSpPr>
+          <p:cNvPr id="2" name="1 CuadroTexto"/>
+          <p:cNvSpPr txBox="1"/>
+          <p:nvPr/>
+        </p:nvSpPr>
+        <p:spPr>
+          <a:xfrm>
+            <a:off x="2051720" y="332656"/>
+            <a:ext cx="5976664" cy="369332"/>
+          </a:xfrm>
+          <a:prstGeom prst="rect">
+            <a:avLst/>
+          </a:prstGeom>
+          <a:noFill/>
+        </p:spPr>
+        <p:txBody>
+          <a:bodyPr wrap="square" rtlCol="0">
+            <a:spAutoFit/>
+          </a:bodyPr>
+          <a:lstStyle/>
+          <a:p>
+            <a:r>
+              <a:rPr lang="es-ES" dirty="0" err="1" smtClean="0"/>
+              <a:t>Envio</a:t>
+            </a:r>
+            <a:r>
+              <a:rPr lang="es-ES" dirty="0" smtClean="0"/>
+              <a:t> datos a servicio REST</a:t>
+            </a:r>
+            <a:endParaRPr lang="es-ES" dirty="0"/>
+          </a:p>
+        </p:txBody>
+      </p:sp>
+      <p:cxnSp>
+        <p:nvCxnSpPr>
+          <p:cNvPr id="4" name="3 Conector recto de flecha"/>
+          <p:cNvCxnSpPr/>
+          <p:nvPr/>
+        </p:nvCxnSpPr>
+        <p:spPr>
+          <a:xfrm>
+            <a:off x="1115616" y="1700808"/>
+            <a:ext cx="5832648" cy="0"/>
+          </a:xfrm>
+          <a:prstGeom prst="straightConnector1">
+            <a:avLst/>
+          </a:prstGeom>
+          <a:ln>
+            <a:tailEnd type="arrow"/>
+          </a:ln>
+        </p:spPr>
+        <p:style>
+          <a:lnRef idx="1">
+            <a:schemeClr val="accent1"/>
+          </a:lnRef>
+          <a:fillRef idx="0">
+            <a:schemeClr val="accent1"/>
+          </a:fillRef>
+          <a:effectRef idx="0">
+            <a:schemeClr val="accent1"/>
+          </a:effectRef>
+          <a:fontRef idx="minor">
+            <a:schemeClr val="tx1"/>
+          </a:fontRef>
+        </p:style>
+      </p:cxnSp>
+      <p:sp>
+        <p:nvSpPr>
+          <p:cNvPr id="5" name="4 CuadroTexto"/>
+          <p:cNvSpPr txBox="1"/>
+          <p:nvPr/>
+        </p:nvSpPr>
+        <p:spPr>
+          <a:xfrm>
+            <a:off x="971600" y="1268760"/>
+            <a:ext cx="7200800" cy="369332"/>
+          </a:xfrm>
+          <a:prstGeom prst="rect">
+            <a:avLst/>
+          </a:prstGeom>
+          <a:noFill/>
+        </p:spPr>
+        <p:txBody>
+          <a:bodyPr wrap="square" rtlCol="0">
+            <a:spAutoFit/>
+          </a:bodyPr>
+          <a:lstStyle/>
+          <a:p>
+            <a:r>
+              <a:rPr lang="es-ES" dirty="0" smtClean="0"/>
+              <a:t>URL:http://</a:t>
+            </a:r>
+            <a:r>
+              <a:rPr lang="es-ES" dirty="0" err="1" smtClean="0"/>
+              <a:t>www.datos.com</a:t>
+            </a:r>
+            <a:r>
+              <a:rPr lang="es-ES" dirty="0" smtClean="0"/>
+              <a:t>/</a:t>
+            </a:r>
+            <a:r>
+              <a:rPr lang="es-ES" dirty="0" err="1" smtClean="0"/>
+              <a:t>app</a:t>
+            </a:r>
+            <a:r>
+              <a:rPr lang="es-ES" dirty="0" smtClean="0"/>
+              <a:t>/recurso/variable1/variable2</a:t>
+            </a:r>
+            <a:endParaRPr lang="es-ES" dirty="0"/>
+          </a:p>
+        </p:txBody>
+      </p:sp>
+      <p:sp>
+        <p:nvSpPr>
+          <p:cNvPr id="6" name="5 Cerrar llave"/>
+          <p:cNvSpPr/>
+          <p:nvPr/>
+        </p:nvSpPr>
+        <p:spPr>
+          <a:xfrm rot="16200000">
+            <a:off x="5719947" y="264828"/>
+            <a:ext cx="216024" cy="1791839"/>
+          </a:xfrm>
+          <a:prstGeom prst="rightBrace">
+            <a:avLst/>
+          </a:prstGeom>
+        </p:spPr>
+        <p:style>
+          <a:lnRef idx="1">
+            <a:schemeClr val="accent1"/>
+          </a:lnRef>
+          <a:fillRef idx="0">
+            <a:schemeClr val="accent1"/>
+          </a:fillRef>
+          <a:effectRef idx="0">
+            <a:schemeClr val="accent1"/>
+          </a:effectRef>
+          <a:fontRef idx="minor">
+            <a:schemeClr val="tx1"/>
+          </a:fontRef>
+        </p:style>
+        <p:txBody>
+          <a:bodyPr rtlCol="0" anchor="ctr"/>
+          <a:lstStyle/>
+          <a:p>
+            <a:pPr algn="ctr"/>
+            <a:endParaRPr lang="es-ES"/>
+          </a:p>
+        </p:txBody>
+      </p:sp>
+      <p:sp>
+        <p:nvSpPr>
+          <p:cNvPr id="7" name="6 CuadroTexto"/>
+          <p:cNvSpPr txBox="1"/>
+          <p:nvPr/>
+        </p:nvSpPr>
+        <p:spPr>
+          <a:xfrm>
+            <a:off x="5148064" y="692696"/>
+            <a:ext cx="1728192" cy="369332"/>
+          </a:xfrm>
+          <a:prstGeom prst="rect">
+            <a:avLst/>
+          </a:prstGeom>
+          <a:noFill/>
+        </p:spPr>
+        <p:txBody>
+          <a:bodyPr wrap="square" rtlCol="0">
+            <a:spAutoFit/>
+          </a:bodyPr>
+          <a:lstStyle/>
+          <a:p>
+            <a:r>
+              <a:rPr lang="es-ES" dirty="0" err="1" smtClean="0"/>
+              <a:t>path</a:t>
+            </a:r>
+            <a:r>
+              <a:rPr lang="es-ES" dirty="0" smtClean="0"/>
+              <a:t> variables</a:t>
+            </a:r>
+            <a:endParaRPr lang="es-ES" dirty="0"/>
+          </a:p>
+        </p:txBody>
+      </p:sp>
+      <p:cxnSp>
+        <p:nvCxnSpPr>
+          <p:cNvPr id="8" name="7 Conector recto de flecha"/>
+          <p:cNvCxnSpPr/>
+          <p:nvPr/>
+        </p:nvCxnSpPr>
+        <p:spPr>
+          <a:xfrm>
+            <a:off x="1115616" y="2780928"/>
+            <a:ext cx="5832648" cy="0"/>
+          </a:xfrm>
+          <a:prstGeom prst="straightConnector1">
+            <a:avLst/>
+          </a:prstGeom>
+          <a:ln>
+            <a:tailEnd type="arrow"/>
+          </a:ln>
+        </p:spPr>
+        <p:style>
+          <a:lnRef idx="1">
+            <a:schemeClr val="accent1"/>
+          </a:lnRef>
+          <a:fillRef idx="0">
+            <a:schemeClr val="accent1"/>
+          </a:fillRef>
+          <a:effectRef idx="0">
+            <a:schemeClr val="accent1"/>
+          </a:effectRef>
+          <a:fontRef idx="minor">
+            <a:schemeClr val="tx1"/>
+          </a:fontRef>
+        </p:style>
+      </p:cxnSp>
+      <p:sp>
+        <p:nvSpPr>
+          <p:cNvPr id="9" name="8 CuadroTexto"/>
+          <p:cNvSpPr txBox="1"/>
+          <p:nvPr/>
+        </p:nvSpPr>
+        <p:spPr>
+          <a:xfrm>
+            <a:off x="1043608" y="2348880"/>
+            <a:ext cx="7632848" cy="369332"/>
+          </a:xfrm>
+          <a:prstGeom prst="rect">
+            <a:avLst/>
+          </a:prstGeom>
+          <a:noFill/>
+        </p:spPr>
+        <p:txBody>
+          <a:bodyPr wrap="square" rtlCol="0">
+            <a:spAutoFit/>
+          </a:bodyPr>
+          <a:lstStyle/>
+          <a:p>
+            <a:r>
+              <a:rPr lang="es-ES" dirty="0" smtClean="0"/>
+              <a:t>URL:http://</a:t>
+            </a:r>
+            <a:r>
+              <a:rPr lang="es-ES" dirty="0" err="1" smtClean="0"/>
+              <a:t>www.datos.com</a:t>
+            </a:r>
+            <a:r>
+              <a:rPr lang="es-ES" dirty="0" smtClean="0"/>
+              <a:t>/</a:t>
+            </a:r>
+            <a:r>
+              <a:rPr lang="es-ES" dirty="0" err="1" smtClean="0"/>
+              <a:t>app</a:t>
+            </a:r>
+            <a:r>
+              <a:rPr lang="es-ES" dirty="0" smtClean="0"/>
+              <a:t>/recurso?nombre1=valor1&amp;nombre2=valor2</a:t>
+            </a:r>
+            <a:endParaRPr lang="es-ES" dirty="0"/>
+          </a:p>
+        </p:txBody>
+      </p:sp>
+      <p:sp>
+        <p:nvSpPr>
+          <p:cNvPr id="12" name="11 Cerrar llave"/>
+          <p:cNvSpPr/>
+          <p:nvPr/>
+        </p:nvSpPr>
+        <p:spPr>
+          <a:xfrm rot="16200000">
+            <a:off x="6444210" y="620687"/>
+            <a:ext cx="216023" cy="3240361"/>
+          </a:xfrm>
+          <a:prstGeom prst="rightBrace">
+            <a:avLst/>
+          </a:prstGeom>
+        </p:spPr>
+        <p:style>
+          <a:lnRef idx="1">
+            <a:schemeClr val="accent1"/>
+          </a:lnRef>
+          <a:fillRef idx="0">
+            <a:schemeClr val="accent1"/>
+          </a:fillRef>
+          <a:effectRef idx="0">
+            <a:schemeClr val="accent1"/>
+          </a:effectRef>
+          <a:fontRef idx="minor">
+            <a:schemeClr val="tx1"/>
+          </a:fontRef>
+        </p:style>
+        <p:txBody>
+          <a:bodyPr rtlCol="0" anchor="ctr"/>
+          <a:lstStyle/>
+          <a:p>
+            <a:pPr algn="ctr"/>
+            <a:endParaRPr lang="es-ES"/>
+          </a:p>
+        </p:txBody>
+      </p:sp>
+      <p:sp>
+        <p:nvSpPr>
+          <p:cNvPr id="13" name="12 CuadroTexto"/>
+          <p:cNvSpPr txBox="1"/>
+          <p:nvPr/>
+        </p:nvSpPr>
+        <p:spPr>
+          <a:xfrm>
+            <a:off x="5796136" y="1772816"/>
+            <a:ext cx="1728192" cy="369332"/>
+          </a:xfrm>
+          <a:prstGeom prst="rect">
+            <a:avLst/>
+          </a:prstGeom>
+          <a:noFill/>
+        </p:spPr>
+        <p:txBody>
+          <a:bodyPr wrap="square" rtlCol="0">
+            <a:spAutoFit/>
+          </a:bodyPr>
+          <a:lstStyle/>
+          <a:p>
+            <a:r>
+              <a:rPr lang="es-ES" dirty="0" err="1" smtClean="0"/>
+              <a:t>query</a:t>
+            </a:r>
+            <a:r>
+              <a:rPr lang="es-ES" dirty="0" smtClean="0"/>
+              <a:t> </a:t>
+            </a:r>
+            <a:r>
+              <a:rPr lang="es-ES" dirty="0" err="1" smtClean="0"/>
+              <a:t>string</a:t>
+            </a:r>
+            <a:endParaRPr lang="es-ES" dirty="0"/>
+          </a:p>
+        </p:txBody>
+      </p:sp>
+      <p:cxnSp>
+        <p:nvCxnSpPr>
+          <p:cNvPr id="15" name="14 Conector recto de flecha"/>
+          <p:cNvCxnSpPr/>
+          <p:nvPr/>
+        </p:nvCxnSpPr>
+        <p:spPr>
+          <a:xfrm>
+            <a:off x="1115616" y="4293096"/>
+            <a:ext cx="6120680" cy="0"/>
+          </a:xfrm>
+          <a:prstGeom prst="straightConnector1">
+            <a:avLst/>
+          </a:prstGeom>
+          <a:ln>
+            <a:tailEnd type="arrow"/>
+          </a:ln>
+        </p:spPr>
+        <p:style>
+          <a:lnRef idx="1">
+            <a:schemeClr val="accent1"/>
+          </a:lnRef>
+          <a:fillRef idx="0">
+            <a:schemeClr val="accent1"/>
+          </a:fillRef>
+          <a:effectRef idx="0">
+            <a:schemeClr val="accent1"/>
+          </a:effectRef>
+          <a:fontRef idx="minor">
+            <a:schemeClr val="tx1"/>
+          </a:fontRef>
+        </p:style>
+      </p:cxnSp>
+      <p:sp>
+        <p:nvSpPr>
+          <p:cNvPr id="17" name="16 Rectángulo"/>
+          <p:cNvSpPr/>
+          <p:nvPr/>
+        </p:nvSpPr>
+        <p:spPr>
+          <a:xfrm>
+            <a:off x="1043608" y="3789040"/>
+            <a:ext cx="6696744" cy="360040"/>
+          </a:xfrm>
+          <a:prstGeom prst="rect">
+            <a:avLst/>
+          </a:prstGeom>
+          <a:noFill/>
+        </p:spPr>
+        <p:style>
+          <a:lnRef idx="2">
+            <a:schemeClr val="accent1">
+              <a:shade val="50000"/>
+            </a:schemeClr>
+          </a:lnRef>
+          <a:fillRef idx="1">
+            <a:schemeClr val="accent1"/>
+          </a:fillRef>
+          <a:effectRef idx="0">
+            <a:schemeClr val="accent1"/>
+          </a:effectRef>
+          <a:fontRef idx="minor">
+            <a:schemeClr val="lt1"/>
+          </a:fontRef>
+        </p:style>
+        <p:txBody>
+          <a:bodyPr rtlCol="0" anchor="ctr"/>
+          <a:lstStyle/>
+          <a:p>
+            <a:pPr algn="ctr"/>
+            <a:endParaRPr lang="es-ES"/>
+          </a:p>
+        </p:txBody>
+      </p:sp>
+      <p:cxnSp>
+        <p:nvCxnSpPr>
+          <p:cNvPr id="19" name="18 Conector recto"/>
+          <p:cNvCxnSpPr/>
+          <p:nvPr/>
+        </p:nvCxnSpPr>
+        <p:spPr>
+          <a:xfrm>
+            <a:off x="2915816" y="3789040"/>
+            <a:ext cx="0" cy="360040"/>
+          </a:xfrm>
+          <a:prstGeom prst="line">
+            <a:avLst/>
+          </a:prstGeom>
+        </p:spPr>
+        <p:style>
+          <a:lnRef idx="1">
+            <a:schemeClr val="accent1"/>
+          </a:lnRef>
+          <a:fillRef idx="0">
+            <a:schemeClr val="accent1"/>
+          </a:fillRef>
+          <a:effectRef idx="0">
+            <a:schemeClr val="accent1"/>
+          </a:effectRef>
+          <a:fontRef idx="minor">
+            <a:schemeClr val="tx1"/>
+          </a:fontRef>
+        </p:style>
+      </p:cxnSp>
+      <p:sp>
+        <p:nvSpPr>
+          <p:cNvPr id="20" name="19 CuadroTexto"/>
+          <p:cNvSpPr txBox="1"/>
+          <p:nvPr/>
+        </p:nvSpPr>
+        <p:spPr>
+          <a:xfrm>
+            <a:off x="179512" y="3789040"/>
+            <a:ext cx="864096" cy="369332"/>
+          </a:xfrm>
+          <a:prstGeom prst="rect">
+            <a:avLst/>
+          </a:prstGeom>
+          <a:noFill/>
+        </p:spPr>
+        <p:txBody>
+          <a:bodyPr wrap="square" rtlCol="0">
+            <a:spAutoFit/>
+          </a:bodyPr>
+          <a:lstStyle/>
+          <a:p>
+            <a:r>
+              <a:rPr lang="es-ES" dirty="0" smtClean="0"/>
+              <a:t>HTTP</a:t>
+            </a:r>
+            <a:endParaRPr lang="es-ES" dirty="0"/>
+          </a:p>
+        </p:txBody>
+      </p:sp>
+      <p:sp>
+        <p:nvSpPr>
+          <p:cNvPr id="22" name="21 CuadroTexto"/>
+          <p:cNvSpPr txBox="1"/>
+          <p:nvPr/>
+        </p:nvSpPr>
+        <p:spPr>
+          <a:xfrm>
+            <a:off x="395536" y="3212976"/>
+            <a:ext cx="4032448" cy="369332"/>
+          </a:xfrm>
+          <a:prstGeom prst="rect">
+            <a:avLst/>
+          </a:prstGeom>
+          <a:noFill/>
+        </p:spPr>
+        <p:txBody>
+          <a:bodyPr wrap="square" rtlCol="0">
+            <a:spAutoFit/>
+          </a:bodyPr>
+          <a:lstStyle/>
+          <a:p>
+            <a:r>
+              <a:rPr lang="es-ES" dirty="0" smtClean="0"/>
+              <a:t>URL:http://</a:t>
+            </a:r>
+            <a:r>
+              <a:rPr lang="es-ES" dirty="0" err="1" smtClean="0"/>
+              <a:t>www.datos.com</a:t>
+            </a:r>
+            <a:r>
+              <a:rPr lang="es-ES" dirty="0" smtClean="0"/>
+              <a:t>/</a:t>
+            </a:r>
+            <a:r>
+              <a:rPr lang="es-ES" dirty="0" err="1" smtClean="0"/>
+              <a:t>app</a:t>
+            </a:r>
+            <a:r>
+              <a:rPr lang="es-ES" dirty="0" smtClean="0"/>
+              <a:t>/recurso</a:t>
+            </a:r>
+            <a:endParaRPr lang="es-ES" dirty="0"/>
+          </a:p>
+        </p:txBody>
+      </p:sp>
+      <p:sp>
+        <p:nvSpPr>
+          <p:cNvPr id="23" name="22 Rectángulo"/>
+          <p:cNvSpPr/>
+          <p:nvPr/>
+        </p:nvSpPr>
+        <p:spPr>
+          <a:xfrm>
+            <a:off x="3851920" y="3789040"/>
+            <a:ext cx="3457998" cy="369332"/>
+          </a:xfrm>
+          <a:prstGeom prst="rect">
+            <a:avLst/>
+          </a:prstGeom>
+        </p:spPr>
+        <p:txBody>
+          <a:bodyPr wrap="none">
+            <a:spAutoFit/>
+          </a:bodyPr>
+          <a:lstStyle/>
+          <a:p>
+            <a:r>
+              <a:rPr lang="es-ES" dirty="0" smtClean="0"/>
+              <a:t>nombre1=valor1&amp;nombre2=valor2</a:t>
+            </a:r>
+            <a:endParaRPr lang="es-ES" dirty="0"/>
+          </a:p>
+        </p:txBody>
+      </p:sp>
+      <p:sp>
+        <p:nvSpPr>
+          <p:cNvPr id="24" name="23 Cerrar llave"/>
+          <p:cNvSpPr/>
+          <p:nvPr/>
+        </p:nvSpPr>
+        <p:spPr>
+          <a:xfrm rot="16200000">
+            <a:off x="5868145" y="1988839"/>
+            <a:ext cx="216023" cy="3240361"/>
+          </a:xfrm>
+          <a:prstGeom prst="rightBrace">
+            <a:avLst/>
+          </a:prstGeom>
+        </p:spPr>
+        <p:style>
+          <a:lnRef idx="1">
+            <a:schemeClr val="accent1"/>
+          </a:lnRef>
+          <a:fillRef idx="0">
+            <a:schemeClr val="accent1"/>
+          </a:fillRef>
+          <a:effectRef idx="0">
+            <a:schemeClr val="accent1"/>
+          </a:effectRef>
+          <a:fontRef idx="minor">
+            <a:schemeClr val="tx1"/>
+          </a:fontRef>
+        </p:style>
+        <p:txBody>
+          <a:bodyPr rtlCol="0" anchor="ctr"/>
+          <a:lstStyle/>
+          <a:p>
+            <a:pPr algn="ctr"/>
+            <a:endParaRPr lang="es-ES"/>
+          </a:p>
+        </p:txBody>
+      </p:sp>
+      <p:sp>
+        <p:nvSpPr>
+          <p:cNvPr id="25" name="24 CuadroTexto"/>
+          <p:cNvSpPr txBox="1"/>
+          <p:nvPr/>
+        </p:nvSpPr>
+        <p:spPr>
+          <a:xfrm>
+            <a:off x="5004048" y="3212976"/>
+            <a:ext cx="3312368" cy="369332"/>
+          </a:xfrm>
+          <a:prstGeom prst="rect">
+            <a:avLst/>
+          </a:prstGeom>
+          <a:noFill/>
+        </p:spPr>
+        <p:txBody>
+          <a:bodyPr wrap="square" rtlCol="0">
+            <a:spAutoFit/>
+          </a:bodyPr>
+          <a:lstStyle/>
+          <a:p>
+            <a:r>
+              <a:rPr lang="es-ES" dirty="0" err="1" smtClean="0"/>
+              <a:t>form-urlencoded</a:t>
+            </a:r>
+            <a:endParaRPr lang="es-ES" dirty="0"/>
+          </a:p>
+        </p:txBody>
+      </p:sp>
+      <p:cxnSp>
+        <p:nvCxnSpPr>
+          <p:cNvPr id="26" name="25 Conector recto de flecha"/>
+          <p:cNvCxnSpPr/>
+          <p:nvPr/>
+        </p:nvCxnSpPr>
+        <p:spPr>
+          <a:xfrm>
+            <a:off x="1043608" y="4509120"/>
+            <a:ext cx="5832648" cy="0"/>
+          </a:xfrm>
+          <a:prstGeom prst="straightConnector1">
+            <a:avLst/>
+          </a:prstGeom>
+          <a:ln>
+            <a:tailEnd type="arrow"/>
+          </a:ln>
+        </p:spPr>
+        <p:style>
+          <a:lnRef idx="1">
+            <a:schemeClr val="accent1"/>
+          </a:lnRef>
+          <a:fillRef idx="0">
+            <a:schemeClr val="accent1"/>
+          </a:fillRef>
+          <a:effectRef idx="0">
+            <a:schemeClr val="accent1"/>
+          </a:effectRef>
+          <a:fontRef idx="minor">
+            <a:schemeClr val="tx1"/>
+          </a:fontRef>
+        </p:style>
+      </p:cxnSp>
+      <p:cxnSp>
+        <p:nvCxnSpPr>
+          <p:cNvPr id="27" name="26 Conector recto de flecha"/>
+          <p:cNvCxnSpPr/>
+          <p:nvPr/>
+        </p:nvCxnSpPr>
+        <p:spPr>
+          <a:xfrm>
+            <a:off x="1043608" y="6021288"/>
+            <a:ext cx="6120680" cy="0"/>
+          </a:xfrm>
+          <a:prstGeom prst="straightConnector1">
+            <a:avLst/>
+          </a:prstGeom>
+          <a:ln>
+            <a:tailEnd type="arrow"/>
+          </a:ln>
+        </p:spPr>
+        <p:style>
+          <a:lnRef idx="1">
+            <a:schemeClr val="accent1"/>
+          </a:lnRef>
+          <a:fillRef idx="0">
+            <a:schemeClr val="accent1"/>
+          </a:fillRef>
+          <a:effectRef idx="0">
+            <a:schemeClr val="accent1"/>
+          </a:effectRef>
+          <a:fontRef idx="minor">
+            <a:schemeClr val="tx1"/>
+          </a:fontRef>
+        </p:style>
+      </p:cxnSp>
+      <p:sp>
+        <p:nvSpPr>
+          <p:cNvPr id="28" name="27 Rectángulo"/>
+          <p:cNvSpPr/>
+          <p:nvPr/>
+        </p:nvSpPr>
+        <p:spPr>
+          <a:xfrm>
+            <a:off x="971600" y="5517232"/>
+            <a:ext cx="6696744" cy="360040"/>
+          </a:xfrm>
+          <a:prstGeom prst="rect">
+            <a:avLst/>
+          </a:prstGeom>
+          <a:noFill/>
+        </p:spPr>
+        <p:style>
+          <a:lnRef idx="2">
+            <a:schemeClr val="accent1">
+              <a:shade val="50000"/>
+            </a:schemeClr>
+          </a:lnRef>
+          <a:fillRef idx="1">
+            <a:schemeClr val="accent1"/>
+          </a:fillRef>
+          <a:effectRef idx="0">
+            <a:schemeClr val="accent1"/>
+          </a:effectRef>
+          <a:fontRef idx="minor">
+            <a:schemeClr val="lt1"/>
+          </a:fontRef>
+        </p:style>
+        <p:txBody>
+          <a:bodyPr rtlCol="0" anchor="ctr"/>
+          <a:lstStyle/>
+          <a:p>
+            <a:pPr algn="ctr"/>
+            <a:endParaRPr lang="es-ES"/>
+          </a:p>
+        </p:txBody>
+      </p:sp>
+      <p:cxnSp>
+        <p:nvCxnSpPr>
+          <p:cNvPr id="29" name="28 Conector recto"/>
+          <p:cNvCxnSpPr/>
+          <p:nvPr/>
+        </p:nvCxnSpPr>
+        <p:spPr>
+          <a:xfrm>
+            <a:off x="2843808" y="5517232"/>
+            <a:ext cx="0" cy="360040"/>
+          </a:xfrm>
+          <a:prstGeom prst="line">
+            <a:avLst/>
+          </a:prstGeom>
+        </p:spPr>
+        <p:style>
+          <a:lnRef idx="1">
+            <a:schemeClr val="accent1"/>
+          </a:lnRef>
+          <a:fillRef idx="0">
+            <a:schemeClr val="accent1"/>
+          </a:fillRef>
+          <a:effectRef idx="0">
+            <a:schemeClr val="accent1"/>
+          </a:effectRef>
+          <a:fontRef idx="minor">
+            <a:schemeClr val="tx1"/>
+          </a:fontRef>
+        </p:style>
+      </p:cxnSp>
+      <p:sp>
+        <p:nvSpPr>
+          <p:cNvPr id="30" name="29 CuadroTexto"/>
+          <p:cNvSpPr txBox="1"/>
+          <p:nvPr/>
+        </p:nvSpPr>
+        <p:spPr>
+          <a:xfrm>
+            <a:off x="107504" y="5517232"/>
+            <a:ext cx="864096" cy="369332"/>
+          </a:xfrm>
+          <a:prstGeom prst="rect">
+            <a:avLst/>
+          </a:prstGeom>
+          <a:noFill/>
+        </p:spPr>
+        <p:txBody>
+          <a:bodyPr wrap="square" rtlCol="0">
+            <a:spAutoFit/>
+          </a:bodyPr>
+          <a:lstStyle/>
+          <a:p>
+            <a:r>
+              <a:rPr lang="es-ES" dirty="0" smtClean="0"/>
+              <a:t>HTTP</a:t>
+            </a:r>
+            <a:endParaRPr lang="es-ES" dirty="0"/>
+          </a:p>
+        </p:txBody>
+      </p:sp>
+      <p:sp>
+        <p:nvSpPr>
+          <p:cNvPr id="31" name="30 CuadroTexto"/>
+          <p:cNvSpPr txBox="1"/>
+          <p:nvPr/>
+        </p:nvSpPr>
+        <p:spPr>
+          <a:xfrm>
+            <a:off x="323528" y="4941168"/>
+            <a:ext cx="4032448" cy="369332"/>
+          </a:xfrm>
+          <a:prstGeom prst="rect">
+            <a:avLst/>
+          </a:prstGeom>
+          <a:noFill/>
+        </p:spPr>
+        <p:txBody>
+          <a:bodyPr wrap="square" rtlCol="0">
+            <a:spAutoFit/>
+          </a:bodyPr>
+          <a:lstStyle/>
+          <a:p>
+            <a:r>
+              <a:rPr lang="es-ES" dirty="0" smtClean="0"/>
+              <a:t>URL:http://</a:t>
+            </a:r>
+            <a:r>
+              <a:rPr lang="es-ES" dirty="0" err="1" smtClean="0"/>
+              <a:t>www.datos.com</a:t>
+            </a:r>
+            <a:r>
+              <a:rPr lang="es-ES" dirty="0" smtClean="0"/>
+              <a:t>/</a:t>
+            </a:r>
+            <a:r>
+              <a:rPr lang="es-ES" dirty="0" err="1" smtClean="0"/>
+              <a:t>app</a:t>
+            </a:r>
+            <a:r>
+              <a:rPr lang="es-ES" dirty="0" smtClean="0"/>
+              <a:t>/recurso</a:t>
+            </a:r>
+            <a:endParaRPr lang="es-ES" dirty="0"/>
+          </a:p>
+        </p:txBody>
+      </p:sp>
+      <p:sp>
+        <p:nvSpPr>
+          <p:cNvPr id="32" name="31 Rectángulo"/>
+          <p:cNvSpPr/>
+          <p:nvPr/>
+        </p:nvSpPr>
+        <p:spPr>
+          <a:xfrm>
+            <a:off x="3779912" y="5517232"/>
+            <a:ext cx="3742948" cy="369332"/>
+          </a:xfrm>
+          <a:prstGeom prst="rect">
+            <a:avLst/>
+          </a:prstGeom>
+        </p:spPr>
+        <p:txBody>
+          <a:bodyPr wrap="none">
+            <a:spAutoFit/>
+          </a:bodyPr>
+          <a:lstStyle/>
+          <a:p>
+            <a:r>
+              <a:rPr lang="es-ES" dirty="0" smtClean="0"/>
+              <a:t>{"nom1":"valor1","nom2":"valor2",…}</a:t>
+            </a:r>
+            <a:endParaRPr lang="es-ES" dirty="0"/>
+          </a:p>
+        </p:txBody>
+      </p:sp>
+      <p:sp>
+        <p:nvSpPr>
+          <p:cNvPr id="33" name="32 Cerrar llave"/>
+          <p:cNvSpPr/>
+          <p:nvPr/>
+        </p:nvSpPr>
+        <p:spPr>
+          <a:xfrm rot="16200000">
+            <a:off x="5796137" y="3717031"/>
+            <a:ext cx="216023" cy="3240361"/>
+          </a:xfrm>
+          <a:prstGeom prst="rightBrace">
+            <a:avLst/>
+          </a:prstGeom>
+        </p:spPr>
+        <p:style>
+          <a:lnRef idx="1">
+            <a:schemeClr val="accent1"/>
+          </a:lnRef>
+          <a:fillRef idx="0">
+            <a:schemeClr val="accent1"/>
+          </a:fillRef>
+          <a:effectRef idx="0">
+            <a:schemeClr val="accent1"/>
+          </a:effectRef>
+          <a:fontRef idx="minor">
+            <a:schemeClr val="tx1"/>
+          </a:fontRef>
+        </p:style>
+        <p:txBody>
+          <a:bodyPr rtlCol="0" anchor="ctr"/>
+          <a:lstStyle/>
+          <a:p>
+            <a:pPr algn="ctr"/>
+            <a:endParaRPr lang="es-ES"/>
+          </a:p>
+        </p:txBody>
+      </p:sp>
+      <p:sp>
+        <p:nvSpPr>
+          <p:cNvPr id="34" name="33 CuadroTexto"/>
+          <p:cNvSpPr txBox="1"/>
+          <p:nvPr/>
+        </p:nvSpPr>
+        <p:spPr>
+          <a:xfrm>
+            <a:off x="5568486" y="4915290"/>
+            <a:ext cx="864096" cy="369332"/>
+          </a:xfrm>
+          <a:prstGeom prst="rect">
+            <a:avLst/>
+          </a:prstGeom>
+          <a:noFill/>
+        </p:spPr>
+        <p:txBody>
+          <a:bodyPr wrap="square" rtlCol="0">
+            <a:spAutoFit/>
+          </a:bodyPr>
+          <a:lstStyle/>
+          <a:p>
+            <a:r>
+              <a:rPr lang="es-ES" dirty="0" smtClean="0"/>
+              <a:t>JSON</a:t>
+            </a:r>
+            <a:endParaRPr lang="es-ES" dirty="0"/>
+          </a:p>
+        </p:txBody>
+      </p:sp>
+    </p:spTree>
+  </p:cSld>
+  <p:clrMapOvr>
+    <a:masterClrMapping/>
+  </p:clrMapOvr>
+</p:sld>
+</file>
+
+<file path=ppt/slides/slide16.xml><?xml version="1.0" encoding="utf-8"?>
+<p:sld xmlns:a="http://schemas.openxmlformats.org/drawingml/2006/main" xmlns:r="http://schemas.openxmlformats.org/officeDocument/2006/relationships" xmlns:p="http://schemas.openxmlformats.org/presentationml/2006/main">
+  <p:cSld>
+    <p:spTree>
+      <p:nvGrpSpPr>
+        <p:cNvPr id="1" name=""/>
+        <p:cNvGrpSpPr/>
+        <p:nvPr/>
+      </p:nvGrpSpPr>
+      <p:grpSpPr>
+        <a:xfrm>
+          <a:off x="0" y="0"/>
+          <a:ext cx="0" cy="0"/>
+          <a:chOff x="0" y="0"/>
+          <a:chExt cx="0" cy="0"/>
+        </a:xfrm>
+      </p:grpSpPr>
+      <p:sp>
+        <p:nvSpPr>
+          <p:cNvPr id="2" name="1 CuadroTexto"/>
+          <p:cNvSpPr txBox="1"/>
+          <p:nvPr/>
+        </p:nvSpPr>
+        <p:spPr>
+          <a:xfrm>
+            <a:off x="1763688" y="260648"/>
+            <a:ext cx="2664296" cy="523220"/>
+          </a:xfrm>
+          <a:prstGeom prst="rect">
+            <a:avLst/>
+          </a:prstGeom>
+          <a:noFill/>
+        </p:spPr>
+        <p:txBody>
+          <a:bodyPr wrap="square" rtlCol="0">
+            <a:spAutoFit/>
+          </a:bodyPr>
+          <a:lstStyle/>
+          <a:p>
+            <a:r>
+              <a:rPr lang="es-ES" sz="2800" b="1" dirty="0" smtClean="0"/>
+              <a:t>Métodos HTTP</a:t>
+            </a:r>
+            <a:endParaRPr lang="es-ES" sz="2800" b="1" dirty="0"/>
+          </a:p>
+        </p:txBody>
+      </p:sp>
+      <p:sp>
+        <p:nvSpPr>
+          <p:cNvPr id="3" name="2 Forma libre"/>
+          <p:cNvSpPr/>
+          <p:nvPr/>
+        </p:nvSpPr>
+        <p:spPr>
+          <a:xfrm>
+            <a:off x="1380226" y="1465053"/>
+            <a:ext cx="5244861" cy="708804"/>
+          </a:xfrm>
+          <a:custGeom>
+            <a:avLst/>
+            <a:gdLst>
+              <a:gd name="connsiteX0" fmla="*/ 0 w 5244861"/>
+              <a:gd name="connsiteY0" fmla="*/ 708804 h 708804"/>
+              <a:gd name="connsiteX1" fmla="*/ 2311880 w 5244861"/>
+              <a:gd name="connsiteY1" fmla="*/ 27317 h 708804"/>
+              <a:gd name="connsiteX2" fmla="*/ 5244861 w 5244861"/>
+              <a:gd name="connsiteY2" fmla="*/ 544902 h 708804"/>
+            </a:gdLst>
+            <a:ahLst/>
+            <a:cxnLst>
+              <a:cxn ang="0">
+                <a:pos x="connsiteX0" y="connsiteY0"/>
+              </a:cxn>
+              <a:cxn ang="0">
+                <a:pos x="connsiteX1" y="connsiteY1"/>
+              </a:cxn>
+              <a:cxn ang="0">
+                <a:pos x="connsiteX2" y="connsiteY2"/>
+              </a:cxn>
+            </a:cxnLst>
+            <a:rect l="l" t="t" r="r" b="b"/>
+            <a:pathLst>
+              <a:path w="5244861" h="708804">
+                <a:moveTo>
+                  <a:pt x="0" y="708804"/>
+                </a:moveTo>
+                <a:cubicBezTo>
+                  <a:pt x="718868" y="381719"/>
+                  <a:pt x="1437737" y="54634"/>
+                  <a:pt x="2311880" y="27317"/>
+                </a:cubicBezTo>
+                <a:cubicBezTo>
+                  <a:pt x="3186023" y="0"/>
+                  <a:pt x="4215442" y="272451"/>
+                  <a:pt x="5244861" y="544902"/>
+                </a:cubicBezTo>
+              </a:path>
+            </a:pathLst>
+          </a:custGeom>
+          <a:ln>
+            <a:tailEnd type="triangle"/>
+          </a:ln>
+        </p:spPr>
+        <p:style>
+          <a:lnRef idx="1">
+            <a:schemeClr val="accent1"/>
+          </a:lnRef>
+          <a:fillRef idx="0">
+            <a:schemeClr val="accent1"/>
+          </a:fillRef>
+          <a:effectRef idx="0">
+            <a:schemeClr val="accent1"/>
+          </a:effectRef>
+          <a:fontRef idx="minor">
+            <a:schemeClr val="tx1"/>
+          </a:fontRef>
+        </p:style>
+        <p:txBody>
+          <a:bodyPr rtlCol="0" anchor="ctr"/>
+          <a:lstStyle/>
+          <a:p>
+            <a:pPr algn="ctr"/>
+            <a:endParaRPr lang="es-ES"/>
+          </a:p>
+        </p:txBody>
+      </p:sp>
+      <p:sp>
+        <p:nvSpPr>
+          <p:cNvPr id="4" name="3 CuadroTexto"/>
+          <p:cNvSpPr txBox="1"/>
+          <p:nvPr/>
+        </p:nvSpPr>
+        <p:spPr>
+          <a:xfrm>
+            <a:off x="755576" y="2852936"/>
+            <a:ext cx="6192688" cy="3108543"/>
+          </a:xfrm>
+          <a:prstGeom prst="rect">
+            <a:avLst/>
+          </a:prstGeom>
+          <a:noFill/>
+        </p:spPr>
+        <p:txBody>
+          <a:bodyPr wrap="square" rtlCol="0">
+            <a:spAutoFit/>
+          </a:bodyPr>
+          <a:lstStyle/>
+          <a:p>
+            <a:r>
+              <a:rPr lang="es-ES" sz="2800" dirty="0" smtClean="0"/>
+              <a:t>GET</a:t>
+            </a:r>
+          </a:p>
+          <a:p>
+            <a:endParaRPr lang="es-ES" sz="2800" dirty="0" smtClean="0"/>
+          </a:p>
+          <a:p>
+            <a:r>
+              <a:rPr lang="es-ES" sz="2800" dirty="0" smtClean="0"/>
+              <a:t>POST</a:t>
+            </a:r>
+          </a:p>
+          <a:p>
+            <a:endParaRPr lang="es-ES" sz="2800" dirty="0" smtClean="0"/>
+          </a:p>
+          <a:p>
+            <a:r>
+              <a:rPr lang="es-ES" sz="2800" dirty="0" smtClean="0"/>
+              <a:t>PUT</a:t>
+            </a:r>
+          </a:p>
+          <a:p>
+            <a:endParaRPr lang="es-ES" sz="2800" dirty="0" smtClean="0"/>
+          </a:p>
+          <a:p>
+            <a:r>
+              <a:rPr lang="es-ES" sz="2800" dirty="0" smtClean="0"/>
+              <a:t>DELETE</a:t>
+            </a:r>
+            <a:endParaRPr lang="es-ES" sz="2800" dirty="0"/>
+          </a:p>
+        </p:txBody>
+      </p:sp>
+      <p:sp>
+        <p:nvSpPr>
+          <p:cNvPr id="5" name="4 Flecha derecha"/>
+          <p:cNvSpPr/>
+          <p:nvPr/>
+        </p:nvSpPr>
+        <p:spPr>
+          <a:xfrm>
+            <a:off x="1547664" y="2996952"/>
+            <a:ext cx="1224136" cy="216024"/>
+          </a:xfrm>
+          <a:prstGeom prst="rightArrow">
+            <a:avLst/>
+          </a:prstGeom>
+        </p:spPr>
+        <p:style>
+          <a:lnRef idx="2">
+            <a:schemeClr val="accent1">
+              <a:shade val="50000"/>
+            </a:schemeClr>
+          </a:lnRef>
+          <a:fillRef idx="1">
+            <a:schemeClr val="accent1"/>
+          </a:fillRef>
+          <a:effectRef idx="0">
+            <a:schemeClr val="accent1"/>
+          </a:effectRef>
+          <a:fontRef idx="minor">
+            <a:schemeClr val="lt1"/>
+          </a:fontRef>
+        </p:style>
+        <p:txBody>
+          <a:bodyPr rtlCol="0" anchor="ctr"/>
+          <a:lstStyle/>
+          <a:p>
+            <a:pPr algn="ctr"/>
+            <a:endParaRPr lang="es-ES"/>
+          </a:p>
+        </p:txBody>
+      </p:sp>
+      <p:sp>
+        <p:nvSpPr>
+          <p:cNvPr id="6" name="5 CuadroTexto"/>
+          <p:cNvSpPr txBox="1"/>
+          <p:nvPr/>
+        </p:nvSpPr>
+        <p:spPr>
+          <a:xfrm>
+            <a:off x="3059832" y="2924944"/>
+            <a:ext cx="5616624" cy="646331"/>
+          </a:xfrm>
+          <a:prstGeom prst="rect">
+            <a:avLst/>
+          </a:prstGeom>
+          <a:noFill/>
+        </p:spPr>
+        <p:txBody>
+          <a:bodyPr wrap="square" rtlCol="0">
+            <a:spAutoFit/>
+          </a:bodyPr>
+          <a:lstStyle/>
+          <a:p>
+            <a:r>
+              <a:rPr lang="es-ES" dirty="0" smtClean="0"/>
+              <a:t>Petición de datos (envío de parámetros por </a:t>
+            </a:r>
+            <a:r>
+              <a:rPr lang="es-ES" dirty="0" err="1" smtClean="0"/>
+              <a:t>path</a:t>
+            </a:r>
+            <a:r>
+              <a:rPr lang="es-ES" dirty="0" smtClean="0"/>
+              <a:t> variables o </a:t>
+            </a:r>
+            <a:r>
+              <a:rPr lang="es-ES" dirty="0" err="1" smtClean="0"/>
+              <a:t>querystring</a:t>
+            </a:r>
+            <a:r>
+              <a:rPr lang="es-ES" dirty="0" smtClean="0"/>
+              <a:t>)</a:t>
+            </a:r>
+            <a:endParaRPr lang="es-ES" dirty="0"/>
+          </a:p>
+        </p:txBody>
+      </p:sp>
+      <p:sp>
+        <p:nvSpPr>
+          <p:cNvPr id="7" name="6 Flecha derecha"/>
+          <p:cNvSpPr/>
+          <p:nvPr/>
+        </p:nvSpPr>
+        <p:spPr>
+          <a:xfrm>
+            <a:off x="1835696" y="3861048"/>
+            <a:ext cx="1224136" cy="216024"/>
+          </a:xfrm>
+          <a:prstGeom prst="rightArrow">
+            <a:avLst/>
+          </a:prstGeom>
+        </p:spPr>
+        <p:style>
+          <a:lnRef idx="2">
+            <a:schemeClr val="accent1">
+              <a:shade val="50000"/>
+            </a:schemeClr>
+          </a:lnRef>
+          <a:fillRef idx="1">
+            <a:schemeClr val="accent1"/>
+          </a:fillRef>
+          <a:effectRef idx="0">
+            <a:schemeClr val="accent1"/>
+          </a:effectRef>
+          <a:fontRef idx="minor">
+            <a:schemeClr val="lt1"/>
+          </a:fontRef>
+        </p:style>
+        <p:txBody>
+          <a:bodyPr rtlCol="0" anchor="ctr"/>
+          <a:lstStyle/>
+          <a:p>
+            <a:pPr algn="ctr"/>
+            <a:endParaRPr lang="es-ES"/>
+          </a:p>
+        </p:txBody>
+      </p:sp>
+      <p:sp>
+        <p:nvSpPr>
+          <p:cNvPr id="8" name="7 CuadroTexto"/>
+          <p:cNvSpPr txBox="1"/>
+          <p:nvPr/>
+        </p:nvSpPr>
+        <p:spPr>
+          <a:xfrm>
+            <a:off x="3275856" y="3717032"/>
+            <a:ext cx="5544616" cy="646331"/>
+          </a:xfrm>
+          <a:prstGeom prst="rect">
+            <a:avLst/>
+          </a:prstGeom>
+          <a:noFill/>
+        </p:spPr>
+        <p:txBody>
+          <a:bodyPr wrap="square" rtlCol="0">
+            <a:spAutoFit/>
+          </a:bodyPr>
+          <a:lstStyle/>
+          <a:p>
+            <a:r>
+              <a:rPr lang="es-ES" dirty="0" smtClean="0"/>
+              <a:t>Altas de datos (envío de datos en el cuerpo como </a:t>
+            </a:r>
+            <a:r>
+              <a:rPr lang="es-ES" dirty="0" err="1" smtClean="0"/>
+              <a:t>form-urlencoded</a:t>
+            </a:r>
+            <a:r>
+              <a:rPr lang="es-ES" dirty="0" smtClean="0"/>
+              <a:t> o JSON)</a:t>
+            </a:r>
+            <a:endParaRPr lang="es-ES" dirty="0"/>
+          </a:p>
+        </p:txBody>
+      </p:sp>
+      <p:sp>
+        <p:nvSpPr>
+          <p:cNvPr id="9" name="8 Flecha derecha"/>
+          <p:cNvSpPr/>
+          <p:nvPr/>
+        </p:nvSpPr>
+        <p:spPr>
+          <a:xfrm>
+            <a:off x="1907704" y="4653136"/>
+            <a:ext cx="1224136" cy="216024"/>
+          </a:xfrm>
+          <a:prstGeom prst="rightArrow">
+            <a:avLst/>
+          </a:prstGeom>
+        </p:spPr>
+        <p:style>
+          <a:lnRef idx="2">
+            <a:schemeClr val="accent1">
+              <a:shade val="50000"/>
+            </a:schemeClr>
+          </a:lnRef>
+          <a:fillRef idx="1">
+            <a:schemeClr val="accent1"/>
+          </a:fillRef>
+          <a:effectRef idx="0">
+            <a:schemeClr val="accent1"/>
+          </a:effectRef>
+          <a:fontRef idx="minor">
+            <a:schemeClr val="lt1"/>
+          </a:fontRef>
+        </p:style>
+        <p:txBody>
+          <a:bodyPr rtlCol="0" anchor="ctr"/>
+          <a:lstStyle/>
+          <a:p>
+            <a:pPr algn="ctr"/>
+            <a:endParaRPr lang="es-ES"/>
+          </a:p>
+        </p:txBody>
+      </p:sp>
+      <p:sp>
+        <p:nvSpPr>
+          <p:cNvPr id="10" name="9 CuadroTexto"/>
+          <p:cNvSpPr txBox="1"/>
+          <p:nvPr/>
+        </p:nvSpPr>
+        <p:spPr>
+          <a:xfrm>
+            <a:off x="3419872" y="4581128"/>
+            <a:ext cx="5400600" cy="646331"/>
+          </a:xfrm>
+          <a:prstGeom prst="rect">
+            <a:avLst/>
+          </a:prstGeom>
+          <a:noFill/>
+        </p:spPr>
+        <p:txBody>
+          <a:bodyPr wrap="square" rtlCol="0">
+            <a:spAutoFit/>
+          </a:bodyPr>
+          <a:lstStyle/>
+          <a:p>
+            <a:r>
+              <a:rPr lang="es-ES" dirty="0" smtClean="0"/>
+              <a:t>Actualizaciones (envío </a:t>
+            </a:r>
+            <a:r>
+              <a:rPr lang="es-ES" dirty="0" smtClean="0"/>
+              <a:t>de datos en el cuerpo como </a:t>
+            </a:r>
+            <a:r>
+              <a:rPr lang="es-ES" dirty="0" err="1" smtClean="0"/>
+              <a:t>form-urlencoded</a:t>
+            </a:r>
+            <a:r>
+              <a:rPr lang="es-ES" dirty="0" smtClean="0"/>
+              <a:t> o JSON)</a:t>
+            </a:r>
+            <a:endParaRPr lang="es-ES" dirty="0"/>
+          </a:p>
+        </p:txBody>
+      </p:sp>
+      <p:sp>
+        <p:nvSpPr>
+          <p:cNvPr id="11" name="10 Flecha derecha"/>
+          <p:cNvSpPr/>
+          <p:nvPr/>
+        </p:nvSpPr>
+        <p:spPr>
+          <a:xfrm>
+            <a:off x="2123728" y="5517232"/>
+            <a:ext cx="1224136" cy="216024"/>
+          </a:xfrm>
+          <a:prstGeom prst="rightArrow">
+            <a:avLst/>
+          </a:prstGeom>
+        </p:spPr>
+        <p:style>
+          <a:lnRef idx="2">
+            <a:schemeClr val="accent1">
+              <a:shade val="50000"/>
+            </a:schemeClr>
+          </a:lnRef>
+          <a:fillRef idx="1">
+            <a:schemeClr val="accent1"/>
+          </a:fillRef>
+          <a:effectRef idx="0">
+            <a:schemeClr val="accent1"/>
+          </a:effectRef>
+          <a:fontRef idx="minor">
+            <a:schemeClr val="lt1"/>
+          </a:fontRef>
+        </p:style>
+        <p:txBody>
+          <a:bodyPr rtlCol="0" anchor="ctr"/>
+          <a:lstStyle/>
+          <a:p>
+            <a:pPr algn="ctr"/>
+            <a:endParaRPr lang="es-ES"/>
+          </a:p>
+        </p:txBody>
+      </p:sp>
+      <p:sp>
+        <p:nvSpPr>
+          <p:cNvPr id="12" name="11 CuadroTexto"/>
+          <p:cNvSpPr txBox="1"/>
+          <p:nvPr/>
+        </p:nvSpPr>
+        <p:spPr>
+          <a:xfrm>
+            <a:off x="3419872" y="5445224"/>
+            <a:ext cx="5040560" cy="646331"/>
+          </a:xfrm>
+          <a:prstGeom prst="rect">
+            <a:avLst/>
+          </a:prstGeom>
+          <a:noFill/>
+        </p:spPr>
+        <p:txBody>
+          <a:bodyPr wrap="square" rtlCol="0">
+            <a:spAutoFit/>
+          </a:bodyPr>
+          <a:lstStyle/>
+          <a:p>
+            <a:r>
+              <a:rPr lang="es-ES" dirty="0" smtClean="0"/>
+              <a:t>Eliminaciones </a:t>
+            </a:r>
+            <a:r>
+              <a:rPr lang="es-ES" dirty="0" smtClean="0"/>
+              <a:t>(envío de parámetros por </a:t>
+            </a:r>
+            <a:r>
+              <a:rPr lang="es-ES" dirty="0" err="1" smtClean="0"/>
+              <a:t>path</a:t>
+            </a:r>
+            <a:r>
+              <a:rPr lang="es-ES" dirty="0" smtClean="0"/>
+              <a:t> variables o </a:t>
+            </a:r>
+            <a:r>
+              <a:rPr lang="es-ES" dirty="0" err="1" smtClean="0"/>
+              <a:t>querystring</a:t>
+            </a:r>
+            <a:r>
+              <a:rPr lang="es-ES" dirty="0" smtClean="0"/>
+              <a:t>)</a:t>
+            </a:r>
+            <a:endParaRPr lang="es-ES" dirty="0"/>
+          </a:p>
+        </p:txBody>
+      </p:sp>
+    </p:spTree>
+  </p:cSld>
+  <p:clrMapOvr>
+    <a:masterClrMapping/>
+  </p:clrMapOvr>
+</p:sld>
+</file>
+
+<file path=ppt/slides/slide17.xml><?xml version="1.0" encoding="utf-8"?>
+<p:sld xmlns:a="http://schemas.openxmlformats.org/drawingml/2006/main" xmlns:r="http://schemas.openxmlformats.org/officeDocument/2006/relationships" xmlns:p="http://schemas.openxmlformats.org/presentationml/2006/main">
+  <p:cSld>
+    <p:spTree>
+      <p:nvGrpSpPr>
+        <p:cNvPr id="1" name=""/>
+        <p:cNvGrpSpPr/>
+        <p:nvPr/>
+      </p:nvGrpSpPr>
+      <p:grpSpPr>
+        <a:xfrm>
+          <a:off x="0" y="0"/>
+          <a:ext cx="0" cy="0"/>
+          <a:chOff x="0" y="0"/>
+          <a:chExt cx="0" cy="0"/>
+        </a:xfrm>
+      </p:grpSpPr>
+      <p:sp>
+        <p:nvSpPr>
+          <p:cNvPr id="2" name="1 Rectángulo"/>
+          <p:cNvSpPr/>
+          <p:nvPr/>
+        </p:nvSpPr>
+        <p:spPr>
+          <a:xfrm>
+            <a:off x="755576" y="1844824"/>
+            <a:ext cx="7992888" cy="646331"/>
+          </a:xfrm>
+          <a:prstGeom prst="rect">
+            <a:avLst/>
+          </a:prstGeom>
+        </p:spPr>
+        <p:txBody>
+          <a:bodyPr wrap="square">
+            <a:spAutoFit/>
+          </a:bodyPr>
+          <a:lstStyle/>
+          <a:p>
+            <a:r>
+              <a:rPr lang="en-US" dirty="0" err="1" smtClean="0">
+                <a:latin typeface="Consolas" pitchFamily="49" charset="0"/>
+              </a:rPr>
+              <a:t>this.http.get</a:t>
+            </a:r>
+            <a:r>
+              <a:rPr lang="en-US" dirty="0" smtClean="0">
+                <a:latin typeface="Consolas" pitchFamily="49" charset="0"/>
+              </a:rPr>
+              <a:t>&lt;Book[]&gt;("http://localhost:9000/books",{</a:t>
+            </a:r>
+          </a:p>
+          <a:p>
+            <a:r>
+              <a:rPr lang="en-US" dirty="0" smtClean="0">
+                <a:latin typeface="Consolas" pitchFamily="49" charset="0"/>
+              </a:rPr>
+              <a:t>           </a:t>
+            </a:r>
+            <a:r>
+              <a:rPr lang="en-US" dirty="0" err="1" smtClean="0">
+                <a:latin typeface="Consolas" pitchFamily="49" charset="0"/>
+              </a:rPr>
+              <a:t>params</a:t>
+            </a:r>
+            <a:r>
+              <a:rPr lang="en-US" dirty="0" smtClean="0">
+                <a:latin typeface="Consolas" pitchFamily="49" charset="0"/>
+              </a:rPr>
+              <a:t>:{"</a:t>
+            </a:r>
+            <a:r>
+              <a:rPr lang="en-US" dirty="0" err="1" smtClean="0">
+                <a:latin typeface="Consolas" pitchFamily="49" charset="0"/>
+              </a:rPr>
+              <a:t>isbn</a:t>
+            </a:r>
+            <a:r>
+              <a:rPr lang="en-US" dirty="0" smtClean="0">
+                <a:latin typeface="Consolas" pitchFamily="49" charset="0"/>
+              </a:rPr>
+              <a:t>":</a:t>
+            </a:r>
+            <a:r>
+              <a:rPr lang="en-US" dirty="0" err="1" smtClean="0">
+                <a:latin typeface="Consolas" pitchFamily="49" charset="0"/>
+              </a:rPr>
+              <a:t>isbn</a:t>
+            </a:r>
+            <a:r>
+              <a:rPr lang="en-US" dirty="0" smtClean="0">
+                <a:latin typeface="Consolas" pitchFamily="49" charset="0"/>
+              </a:rPr>
+              <a:t>});</a:t>
+            </a:r>
+            <a:endParaRPr lang="en-US" dirty="0" smtClean="0">
+              <a:latin typeface="Consolas" pitchFamily="49" charset="0"/>
+            </a:endParaRPr>
+          </a:p>
+        </p:txBody>
+      </p:sp>
+      <p:sp>
+        <p:nvSpPr>
+          <p:cNvPr id="3" name="2 Rectángulo"/>
+          <p:cNvSpPr/>
+          <p:nvPr/>
+        </p:nvSpPr>
+        <p:spPr>
+          <a:xfrm>
+            <a:off x="395536" y="3356992"/>
+            <a:ext cx="8496944" cy="369332"/>
+          </a:xfrm>
+          <a:prstGeom prst="rect">
+            <a:avLst/>
+          </a:prstGeom>
+        </p:spPr>
+        <p:txBody>
+          <a:bodyPr wrap="square">
+            <a:spAutoFit/>
+          </a:bodyPr>
+          <a:lstStyle/>
+          <a:p>
+            <a:r>
+              <a:rPr lang="en-US" dirty="0" err="1" smtClean="0">
+                <a:latin typeface="Consolas" pitchFamily="49" charset="0"/>
+              </a:rPr>
+              <a:t>this.http.get</a:t>
+            </a:r>
+            <a:r>
+              <a:rPr lang="en-US" dirty="0" smtClean="0">
+                <a:latin typeface="Consolas" pitchFamily="49" charset="0"/>
+              </a:rPr>
+              <a:t>&lt;Book</a:t>
+            </a:r>
+            <a:r>
+              <a:rPr lang="en-US" dirty="0" smtClean="0">
+                <a:latin typeface="Consolas" pitchFamily="49" charset="0"/>
+              </a:rPr>
+              <a:t>[]&gt;(`http</a:t>
+            </a:r>
+            <a:r>
+              <a:rPr lang="en-US" dirty="0" smtClean="0">
+                <a:latin typeface="Consolas" pitchFamily="49" charset="0"/>
+              </a:rPr>
+              <a:t>://</a:t>
+            </a:r>
+            <a:r>
+              <a:rPr lang="en-US" dirty="0" smtClean="0">
+                <a:latin typeface="Consolas" pitchFamily="49" charset="0"/>
+              </a:rPr>
+              <a:t>localhost:9000/books?isbn=${isbn}`);</a:t>
+            </a:r>
+            <a:endParaRPr lang="en-US" dirty="0" smtClean="0">
+              <a:latin typeface="Consolas" pitchFamily="49" charset="0"/>
+            </a:endParaRPr>
+          </a:p>
+        </p:txBody>
+      </p:sp>
+      <p:sp>
+        <p:nvSpPr>
+          <p:cNvPr id="4" name="3 CuadroTexto"/>
+          <p:cNvSpPr txBox="1"/>
+          <p:nvPr/>
+        </p:nvSpPr>
+        <p:spPr>
+          <a:xfrm>
+            <a:off x="1979712" y="764704"/>
+            <a:ext cx="4248472" cy="523220"/>
+          </a:xfrm>
+          <a:prstGeom prst="rect">
+            <a:avLst/>
+          </a:prstGeom>
+          <a:noFill/>
+        </p:spPr>
+        <p:txBody>
+          <a:bodyPr wrap="square" rtlCol="0">
+            <a:spAutoFit/>
+          </a:bodyPr>
+          <a:lstStyle/>
+          <a:p>
+            <a:r>
+              <a:rPr lang="es-ES" sz="2800" b="1" dirty="0" err="1" smtClean="0"/>
+              <a:t>QueryString</a:t>
+            </a:r>
+            <a:endParaRPr lang="es-ES" sz="2800" b="1" dirty="0"/>
           </a:p>
         </p:txBody>
       </p:sp>
